--- a/Logistic Regression.pptx
+++ b/Logistic Regression.pptx
@@ -1,30 +1,30 @@
 
 <file path=ppt/presentation.xml><?xml version="1.0" encoding="utf-8"?>
-<p:presentation xmlns:a="http://schemas.openxmlformats.org/drawingml/2006/main" xmlns:r="http://schemas.openxmlformats.org/officeDocument/2006/relationships" xmlns:p="http://schemas.openxmlformats.org/presentationml/2006/main" saveSubsetFonts="1">
+<p:presentation xmlns:a="http://schemas.openxmlformats.org/drawingml/2006/main" xmlns:r="http://schemas.openxmlformats.org/officeDocument/2006/relationships" xmlns:p="http://schemas.openxmlformats.org/presentationml/2006/main">
   <p:sldMasterIdLst>
     <p:sldMasterId id="2147483648" r:id="rId1"/>
   </p:sldMasterIdLst>
   <p:notesMasterIdLst>
-    <p:notesMasterId r:id="rId13"/>
+    <p:notesMasterId r:id="rId14"/>
   </p:notesMasterIdLst>
   <p:sldIdLst>
-    <p:sldId id="256" r:id="rId2"/>
-    <p:sldId id="258" r:id="rId3"/>
-    <p:sldId id="259" r:id="rId4"/>
-    <p:sldId id="260" r:id="rId5"/>
-    <p:sldId id="261" r:id="rId6"/>
-    <p:sldId id="262" r:id="rId7"/>
-    <p:sldId id="263" r:id="rId8"/>
-    <p:sldId id="266" r:id="rId9"/>
-    <p:sldId id="264" r:id="rId10"/>
-    <p:sldId id="265" r:id="rId11"/>
-    <p:sldId id="267" r:id="rId12"/>
+    <p:sldId id="256" r:id="rId3"/>
+    <p:sldId id="258" r:id="rId4"/>
+    <p:sldId id="259" r:id="rId5"/>
+    <p:sldId id="260" r:id="rId6"/>
+    <p:sldId id="261" r:id="rId7"/>
+    <p:sldId id="262" r:id="rId8"/>
+    <p:sldId id="263" r:id="rId9"/>
+    <p:sldId id="266" r:id="rId10"/>
+    <p:sldId id="264" r:id="rId11"/>
+    <p:sldId id="265" r:id="rId12"/>
+    <p:sldId id="267" r:id="rId13"/>
   </p:sldIdLst>
   <p:sldSz cx="12192000" cy="6858000"/>
   <p:notesSz cx="6858000" cy="9144000"/>
   <p:defaultTextStyle>
     <a:defPPr>
-      <a:defRPr lang="en-PK"/>
+      <a:defRPr lang="en-US"/>
     </a:defPPr>
     <a:lvl1pPr marL="0" algn="l" defTabSz="914400" rtl="0" eaLnBrk="1" latinLnBrk="0" hangingPunct="1">
       <a:defRPr sz="1800" kern="1200">
@@ -169,7 +169,7 @@
             </a:lvl1pPr>
           </a:lstStyle>
           <a:p>
-            <a:endParaRPr lang="en-PK"/>
+            <a:endParaRPr lang="en-US"/>
           </a:p>
         </p:txBody>
       </p:sp>
@@ -201,10 +201,9 @@
           </a:lstStyle>
           <a:p>
             <a:fld id="{D00B4735-4792-4A48-B517-52DCD899630C}" type="datetimeFigureOut">
-              <a:rPr lang="en-PK" smtClean="0"/>
-              <a:t>08/07/2024</a:t>
+              <a:rPr lang="en-US" smtClean="0"/>
             </a:fld>
-            <a:endParaRPr lang="en-PK"/>
+            <a:endParaRPr lang="en-US"/>
           </a:p>
         </p:txBody>
       </p:sp>
@@ -237,7 +236,7 @@
           <a:bodyPr vert="horz" lIns="91440" tIns="45720" rIns="91440" bIns="45720" rtlCol="0" anchor="ctr"/>
           <a:lstStyle/>
           <a:p>
-            <a:endParaRPr lang="en-PK"/>
+            <a:endParaRPr lang="en-US"/>
           </a:p>
         </p:txBody>
       </p:sp>
@@ -269,6 +268,7 @@
               <a:rPr lang="en-US"/>
               <a:t>Edit Master text styles</a:t>
             </a:r>
+            <a:endParaRPr lang="en-US"/>
           </a:p>
           <a:p>
             <a:pPr lvl="1"/>
@@ -276,6 +276,7 @@
               <a:rPr lang="en-US"/>
               <a:t>Second level</a:t>
             </a:r>
+            <a:endParaRPr lang="en-US"/>
           </a:p>
           <a:p>
             <a:pPr lvl="2"/>
@@ -283,6 +284,7 @@
               <a:rPr lang="en-US"/>
               <a:t>Third level</a:t>
             </a:r>
+            <a:endParaRPr lang="en-US"/>
           </a:p>
           <a:p>
             <a:pPr lvl="3"/>
@@ -290,6 +292,7 @@
               <a:rPr lang="en-US"/>
               <a:t>Fourth level</a:t>
             </a:r>
+            <a:endParaRPr lang="en-US"/>
           </a:p>
           <a:p>
             <a:pPr lvl="4"/>
@@ -297,7 +300,7 @@
               <a:rPr lang="en-US"/>
               <a:t>Fifth level</a:t>
             </a:r>
-            <a:endParaRPr lang="en-PK"/>
+            <a:endParaRPr lang="en-US"/>
           </a:p>
         </p:txBody>
       </p:sp>
@@ -328,7 +331,7 @@
             </a:lvl1pPr>
           </a:lstStyle>
           <a:p>
-            <a:endParaRPr lang="en-PK"/>
+            <a:endParaRPr lang="en-US"/>
           </a:p>
         </p:txBody>
       </p:sp>
@@ -360,19 +363,13 @@
           </a:lstStyle>
           <a:p>
             <a:fld id="{5B28ED03-209E-4565-B018-578118B6A459}" type="slidenum">
-              <a:rPr lang="en-PK" smtClean="0"/>
-              <a:t>‹#›</a:t>
+              <a:rPr lang="en-US" smtClean="0"/>
             </a:fld>
-            <a:endParaRPr lang="en-PK"/>
+            <a:endParaRPr lang="en-US"/>
           </a:p>
         </p:txBody>
       </p:sp>
     </p:spTree>
-    <p:extLst>
-      <p:ext uri="{BB962C8B-B14F-4D97-AF65-F5344CB8AC3E}">
-        <p14:creationId xmlns:p14="http://schemas.microsoft.com/office/powerpoint/2010/main" val="1236652865"/>
-      </p:ext>
-    </p:extLst>
   </p:cSld>
   <p:clrMap bg1="lt1" tx1="dk1" bg2="lt2" tx2="dk2" accent1="accent1" accent2="accent2" accent3="accent3" accent4="accent4" accent5="accent5" accent6="accent6" hlink="hlink" folHlink="folHlink"/>
   <p:notesStyle>
@@ -489,13 +486,7 @@
       </p:grpSpPr>
       <p:sp>
         <p:nvSpPr>
-          <p:cNvPr id="2" name="Title 1">
-            <a:extLst>
-              <a:ext uri="{FF2B5EF4-FFF2-40B4-BE49-F238E27FC236}">
-                <a16:creationId xmlns:a16="http://schemas.microsoft.com/office/drawing/2014/main" id="{3AA664FB-AA93-47A5-81CA-5EA39B7650A4}"/>
-              </a:ext>
-            </a:extLst>
-          </p:cNvPr>
+          <p:cNvPr id="2" name="Title 1"/>
           <p:cNvSpPr>
             <a:spLocks noGrp="1"/>
           </p:cNvSpPr>
@@ -521,19 +512,13 @@
               <a:rPr lang="en-US"/>
               <a:t>Click to edit Master title style</a:t>
             </a:r>
-            <a:endParaRPr lang="en-PK"/>
+            <a:endParaRPr lang="en-US"/>
           </a:p>
         </p:txBody>
       </p:sp>
       <p:sp>
         <p:nvSpPr>
-          <p:cNvPr id="3" name="Subtitle 2">
-            <a:extLst>
-              <a:ext uri="{FF2B5EF4-FFF2-40B4-BE49-F238E27FC236}">
-                <a16:creationId xmlns:a16="http://schemas.microsoft.com/office/drawing/2014/main" id="{A812D186-36E0-4F1A-88E8-0968FC6907E1}"/>
-              </a:ext>
-            </a:extLst>
-          </p:cNvPr>
+          <p:cNvPr id="3" name="Subtitle 2"/>
           <p:cNvSpPr>
             <a:spLocks noGrp="1"/>
           </p:cNvSpPr>
@@ -592,19 +577,13 @@
               <a:rPr lang="en-US"/>
               <a:t>Click to edit Master subtitle style</a:t>
             </a:r>
-            <a:endParaRPr lang="en-PK"/>
+            <a:endParaRPr lang="en-US"/>
           </a:p>
         </p:txBody>
       </p:sp>
       <p:sp>
         <p:nvSpPr>
-          <p:cNvPr id="4" name="Date Placeholder 3">
-            <a:extLst>
-              <a:ext uri="{FF2B5EF4-FFF2-40B4-BE49-F238E27FC236}">
-                <a16:creationId xmlns:a16="http://schemas.microsoft.com/office/drawing/2014/main" id="{4FFACC3B-CF80-4591-9882-227BB807AA88}"/>
-              </a:ext>
-            </a:extLst>
-          </p:cNvPr>
+          <p:cNvPr id="4" name="Date Placeholder 3"/>
           <p:cNvSpPr>
             <a:spLocks noGrp="1"/>
           </p:cNvSpPr>
@@ -618,22 +597,15 @@
           <a:lstStyle/>
           <a:p>
             <a:fld id="{B786C7A1-9B12-40D9-891D-3010BC82B2B6}" type="datetimeFigureOut">
-              <a:rPr lang="en-PK" smtClean="0"/>
-              <a:t>08/07/2024</a:t>
+              <a:rPr lang="en-US" smtClean="0"/>
             </a:fld>
-            <a:endParaRPr lang="en-PK"/>
+            <a:endParaRPr lang="en-US"/>
           </a:p>
         </p:txBody>
       </p:sp>
       <p:sp>
         <p:nvSpPr>
-          <p:cNvPr id="5" name="Footer Placeholder 4">
-            <a:extLst>
-              <a:ext uri="{FF2B5EF4-FFF2-40B4-BE49-F238E27FC236}">
-                <a16:creationId xmlns:a16="http://schemas.microsoft.com/office/drawing/2014/main" id="{A6324355-DED1-478B-9D13-5DFEC585E121}"/>
-              </a:ext>
-            </a:extLst>
-          </p:cNvPr>
+          <p:cNvPr id="5" name="Footer Placeholder 4"/>
           <p:cNvSpPr>
             <a:spLocks noGrp="1"/>
           </p:cNvSpPr>
@@ -646,19 +618,13 @@
           <a:bodyPr/>
           <a:lstStyle/>
           <a:p>
-            <a:endParaRPr lang="en-PK"/>
+            <a:endParaRPr lang="en-US"/>
           </a:p>
         </p:txBody>
       </p:sp>
       <p:sp>
         <p:nvSpPr>
-          <p:cNvPr id="6" name="Slide Number Placeholder 5">
-            <a:extLst>
-              <a:ext uri="{FF2B5EF4-FFF2-40B4-BE49-F238E27FC236}">
-                <a16:creationId xmlns:a16="http://schemas.microsoft.com/office/drawing/2014/main" id="{2827CE85-F8F6-418C-8F79-BF823EF74F29}"/>
-              </a:ext>
-            </a:extLst>
-          </p:cNvPr>
+          <p:cNvPr id="6" name="Slide Number Placeholder 5"/>
           <p:cNvSpPr>
             <a:spLocks noGrp="1"/>
           </p:cNvSpPr>
@@ -672,19 +638,13 @@
           <a:lstStyle/>
           <a:p>
             <a:fld id="{A875A68F-2A37-4ADE-AE8F-3D5E26D6A737}" type="slidenum">
-              <a:rPr lang="en-PK" smtClean="0"/>
-              <a:t>‹#›</a:t>
+              <a:rPr lang="en-US" smtClean="0"/>
             </a:fld>
-            <a:endParaRPr lang="en-PK"/>
+            <a:endParaRPr lang="en-US"/>
           </a:p>
         </p:txBody>
       </p:sp>
     </p:spTree>
-    <p:extLst>
-      <p:ext uri="{BB962C8B-B14F-4D97-AF65-F5344CB8AC3E}">
-        <p14:creationId xmlns:p14="http://schemas.microsoft.com/office/powerpoint/2010/main" val="1551565173"/>
-      </p:ext>
-    </p:extLst>
   </p:cSld>
   <p:clrMapOvr>
     <a:masterClrMapping/>
@@ -711,13 +671,7 @@
       </p:grpSpPr>
       <p:sp>
         <p:nvSpPr>
-          <p:cNvPr id="2" name="Title 1">
-            <a:extLst>
-              <a:ext uri="{FF2B5EF4-FFF2-40B4-BE49-F238E27FC236}">
-                <a16:creationId xmlns:a16="http://schemas.microsoft.com/office/drawing/2014/main" id="{47EA807A-F163-4FE4-9603-9BD154A3FBE0}"/>
-              </a:ext>
-            </a:extLst>
-          </p:cNvPr>
+          <p:cNvPr id="2" name="Title 1"/>
           <p:cNvSpPr>
             <a:spLocks noGrp="1"/>
           </p:cNvSpPr>
@@ -734,19 +688,13 @@
               <a:rPr lang="en-US"/>
               <a:t>Click to edit Master title style</a:t>
             </a:r>
-            <a:endParaRPr lang="en-PK"/>
+            <a:endParaRPr lang="en-US"/>
           </a:p>
         </p:txBody>
       </p:sp>
       <p:sp>
         <p:nvSpPr>
-          <p:cNvPr id="3" name="Vertical Text Placeholder 2">
-            <a:extLst>
-              <a:ext uri="{FF2B5EF4-FFF2-40B4-BE49-F238E27FC236}">
-                <a16:creationId xmlns:a16="http://schemas.microsoft.com/office/drawing/2014/main" id="{B077DC88-7430-42A9-89FC-C71492C80572}"/>
-              </a:ext>
-            </a:extLst>
-          </p:cNvPr>
+          <p:cNvPr id="3" name="Vertical Text Placeholder 2"/>
           <p:cNvSpPr>
             <a:spLocks noGrp="1"/>
           </p:cNvSpPr>
@@ -764,6 +712,7 @@
               <a:rPr lang="en-US"/>
               <a:t>Edit Master text styles</a:t>
             </a:r>
+            <a:endParaRPr lang="en-US"/>
           </a:p>
           <a:p>
             <a:pPr lvl="1"/>
@@ -771,6 +720,7 @@
               <a:rPr lang="en-US"/>
               <a:t>Second level</a:t>
             </a:r>
+            <a:endParaRPr lang="en-US"/>
           </a:p>
           <a:p>
             <a:pPr lvl="2"/>
@@ -778,6 +728,7 @@
               <a:rPr lang="en-US"/>
               <a:t>Third level</a:t>
             </a:r>
+            <a:endParaRPr lang="en-US"/>
           </a:p>
           <a:p>
             <a:pPr lvl="3"/>
@@ -785,6 +736,7 @@
               <a:rPr lang="en-US"/>
               <a:t>Fourth level</a:t>
             </a:r>
+            <a:endParaRPr lang="en-US"/>
           </a:p>
           <a:p>
             <a:pPr lvl="4"/>
@@ -792,19 +744,13 @@
               <a:rPr lang="en-US"/>
               <a:t>Fifth level</a:t>
             </a:r>
-            <a:endParaRPr lang="en-PK"/>
+            <a:endParaRPr lang="en-US"/>
           </a:p>
         </p:txBody>
       </p:sp>
       <p:sp>
         <p:nvSpPr>
-          <p:cNvPr id="4" name="Date Placeholder 3">
-            <a:extLst>
-              <a:ext uri="{FF2B5EF4-FFF2-40B4-BE49-F238E27FC236}">
-                <a16:creationId xmlns:a16="http://schemas.microsoft.com/office/drawing/2014/main" id="{BF1EC5A7-93D2-487C-A1C6-DB5021D7414E}"/>
-              </a:ext>
-            </a:extLst>
-          </p:cNvPr>
+          <p:cNvPr id="4" name="Date Placeholder 3"/>
           <p:cNvSpPr>
             <a:spLocks noGrp="1"/>
           </p:cNvSpPr>
@@ -818,22 +764,15 @@
           <a:lstStyle/>
           <a:p>
             <a:fld id="{B786C7A1-9B12-40D9-891D-3010BC82B2B6}" type="datetimeFigureOut">
-              <a:rPr lang="en-PK" smtClean="0"/>
-              <a:t>08/07/2024</a:t>
+              <a:rPr lang="en-US" smtClean="0"/>
             </a:fld>
-            <a:endParaRPr lang="en-PK"/>
+            <a:endParaRPr lang="en-US"/>
           </a:p>
         </p:txBody>
       </p:sp>
       <p:sp>
         <p:nvSpPr>
-          <p:cNvPr id="5" name="Footer Placeholder 4">
-            <a:extLst>
-              <a:ext uri="{FF2B5EF4-FFF2-40B4-BE49-F238E27FC236}">
-                <a16:creationId xmlns:a16="http://schemas.microsoft.com/office/drawing/2014/main" id="{744A83DB-1DE1-4CEE-B3B5-33295085F619}"/>
-              </a:ext>
-            </a:extLst>
-          </p:cNvPr>
+          <p:cNvPr id="5" name="Footer Placeholder 4"/>
           <p:cNvSpPr>
             <a:spLocks noGrp="1"/>
           </p:cNvSpPr>
@@ -846,19 +785,13 @@
           <a:bodyPr/>
           <a:lstStyle/>
           <a:p>
-            <a:endParaRPr lang="en-PK"/>
+            <a:endParaRPr lang="en-US"/>
           </a:p>
         </p:txBody>
       </p:sp>
       <p:sp>
         <p:nvSpPr>
-          <p:cNvPr id="6" name="Slide Number Placeholder 5">
-            <a:extLst>
-              <a:ext uri="{FF2B5EF4-FFF2-40B4-BE49-F238E27FC236}">
-                <a16:creationId xmlns:a16="http://schemas.microsoft.com/office/drawing/2014/main" id="{302A0C2E-1314-4AD9-AD29-EEC318E37248}"/>
-              </a:ext>
-            </a:extLst>
-          </p:cNvPr>
+          <p:cNvPr id="6" name="Slide Number Placeholder 5"/>
           <p:cNvSpPr>
             <a:spLocks noGrp="1"/>
           </p:cNvSpPr>
@@ -872,19 +805,13 @@
           <a:lstStyle/>
           <a:p>
             <a:fld id="{A875A68F-2A37-4ADE-AE8F-3D5E26D6A737}" type="slidenum">
-              <a:rPr lang="en-PK" smtClean="0"/>
-              <a:t>‹#›</a:t>
+              <a:rPr lang="en-US" smtClean="0"/>
             </a:fld>
-            <a:endParaRPr lang="en-PK"/>
+            <a:endParaRPr lang="en-US"/>
           </a:p>
         </p:txBody>
       </p:sp>
     </p:spTree>
-    <p:extLst>
-      <p:ext uri="{BB962C8B-B14F-4D97-AF65-F5344CB8AC3E}">
-        <p14:creationId xmlns:p14="http://schemas.microsoft.com/office/powerpoint/2010/main" val="4268586326"/>
-      </p:ext>
-    </p:extLst>
   </p:cSld>
   <p:clrMapOvr>
     <a:masterClrMapping/>
@@ -911,13 +838,7 @@
       </p:grpSpPr>
       <p:sp>
         <p:nvSpPr>
-          <p:cNvPr id="2" name="Vertical Title 1">
-            <a:extLst>
-              <a:ext uri="{FF2B5EF4-FFF2-40B4-BE49-F238E27FC236}">
-                <a16:creationId xmlns:a16="http://schemas.microsoft.com/office/drawing/2014/main" id="{DAE310E8-54C6-41F1-A7DB-7B794C00F2E0}"/>
-              </a:ext>
-            </a:extLst>
-          </p:cNvPr>
+          <p:cNvPr id="2" name="Vertical Title 1"/>
           <p:cNvSpPr>
             <a:spLocks noGrp="1"/>
           </p:cNvSpPr>
@@ -939,19 +860,13 @@
               <a:rPr lang="en-US"/>
               <a:t>Click to edit Master title style</a:t>
             </a:r>
-            <a:endParaRPr lang="en-PK"/>
+            <a:endParaRPr lang="en-US"/>
           </a:p>
         </p:txBody>
       </p:sp>
       <p:sp>
         <p:nvSpPr>
-          <p:cNvPr id="3" name="Vertical Text Placeholder 2">
-            <a:extLst>
-              <a:ext uri="{FF2B5EF4-FFF2-40B4-BE49-F238E27FC236}">
-                <a16:creationId xmlns:a16="http://schemas.microsoft.com/office/drawing/2014/main" id="{59D54DB8-5213-4C05-ADF8-33B3D3B4E2C7}"/>
-              </a:ext>
-            </a:extLst>
-          </p:cNvPr>
+          <p:cNvPr id="3" name="Vertical Text Placeholder 2"/>
           <p:cNvSpPr>
             <a:spLocks noGrp="1"/>
           </p:cNvSpPr>
@@ -974,6 +889,7 @@
               <a:rPr lang="en-US"/>
               <a:t>Edit Master text styles</a:t>
             </a:r>
+            <a:endParaRPr lang="en-US"/>
           </a:p>
           <a:p>
             <a:pPr lvl="1"/>
@@ -981,6 +897,7 @@
               <a:rPr lang="en-US"/>
               <a:t>Second level</a:t>
             </a:r>
+            <a:endParaRPr lang="en-US"/>
           </a:p>
           <a:p>
             <a:pPr lvl="2"/>
@@ -988,6 +905,7 @@
               <a:rPr lang="en-US"/>
               <a:t>Third level</a:t>
             </a:r>
+            <a:endParaRPr lang="en-US"/>
           </a:p>
           <a:p>
             <a:pPr lvl="3"/>
@@ -995,6 +913,7 @@
               <a:rPr lang="en-US"/>
               <a:t>Fourth level</a:t>
             </a:r>
+            <a:endParaRPr lang="en-US"/>
           </a:p>
           <a:p>
             <a:pPr lvl="4"/>
@@ -1002,19 +921,13 @@
               <a:rPr lang="en-US"/>
               <a:t>Fifth level</a:t>
             </a:r>
-            <a:endParaRPr lang="en-PK"/>
+            <a:endParaRPr lang="en-US"/>
           </a:p>
         </p:txBody>
       </p:sp>
       <p:sp>
         <p:nvSpPr>
-          <p:cNvPr id="4" name="Date Placeholder 3">
-            <a:extLst>
-              <a:ext uri="{FF2B5EF4-FFF2-40B4-BE49-F238E27FC236}">
-                <a16:creationId xmlns:a16="http://schemas.microsoft.com/office/drawing/2014/main" id="{DA0E7429-ED20-4B13-8F0A-EF1A4F15EFE1}"/>
-              </a:ext>
-            </a:extLst>
-          </p:cNvPr>
+          <p:cNvPr id="4" name="Date Placeholder 3"/>
           <p:cNvSpPr>
             <a:spLocks noGrp="1"/>
           </p:cNvSpPr>
@@ -1028,22 +941,15 @@
           <a:lstStyle/>
           <a:p>
             <a:fld id="{B786C7A1-9B12-40D9-891D-3010BC82B2B6}" type="datetimeFigureOut">
-              <a:rPr lang="en-PK" smtClean="0"/>
-              <a:t>08/07/2024</a:t>
+              <a:rPr lang="en-US" smtClean="0"/>
             </a:fld>
-            <a:endParaRPr lang="en-PK"/>
+            <a:endParaRPr lang="en-US"/>
           </a:p>
         </p:txBody>
       </p:sp>
       <p:sp>
         <p:nvSpPr>
-          <p:cNvPr id="5" name="Footer Placeholder 4">
-            <a:extLst>
-              <a:ext uri="{FF2B5EF4-FFF2-40B4-BE49-F238E27FC236}">
-                <a16:creationId xmlns:a16="http://schemas.microsoft.com/office/drawing/2014/main" id="{0C6F3B60-FF4A-47AD-8DED-5124CA0B9130}"/>
-              </a:ext>
-            </a:extLst>
-          </p:cNvPr>
+          <p:cNvPr id="5" name="Footer Placeholder 4"/>
           <p:cNvSpPr>
             <a:spLocks noGrp="1"/>
           </p:cNvSpPr>
@@ -1056,19 +962,13 @@
           <a:bodyPr/>
           <a:lstStyle/>
           <a:p>
-            <a:endParaRPr lang="en-PK"/>
+            <a:endParaRPr lang="en-US"/>
           </a:p>
         </p:txBody>
       </p:sp>
       <p:sp>
         <p:nvSpPr>
-          <p:cNvPr id="6" name="Slide Number Placeholder 5">
-            <a:extLst>
-              <a:ext uri="{FF2B5EF4-FFF2-40B4-BE49-F238E27FC236}">
-                <a16:creationId xmlns:a16="http://schemas.microsoft.com/office/drawing/2014/main" id="{C319F715-B249-4C6A-A0B5-216D5D5106A9}"/>
-              </a:ext>
-            </a:extLst>
-          </p:cNvPr>
+          <p:cNvPr id="6" name="Slide Number Placeholder 5"/>
           <p:cNvSpPr>
             <a:spLocks noGrp="1"/>
           </p:cNvSpPr>
@@ -1082,19 +982,13 @@
           <a:lstStyle/>
           <a:p>
             <a:fld id="{A875A68F-2A37-4ADE-AE8F-3D5E26D6A737}" type="slidenum">
-              <a:rPr lang="en-PK" smtClean="0"/>
-              <a:t>‹#›</a:t>
+              <a:rPr lang="en-US" smtClean="0"/>
             </a:fld>
-            <a:endParaRPr lang="en-PK"/>
+            <a:endParaRPr lang="en-US"/>
           </a:p>
         </p:txBody>
       </p:sp>
     </p:spTree>
-    <p:extLst>
-      <p:ext uri="{BB962C8B-B14F-4D97-AF65-F5344CB8AC3E}">
-        <p14:creationId xmlns:p14="http://schemas.microsoft.com/office/powerpoint/2010/main" val="660535419"/>
-      </p:ext>
-    </p:extLst>
   </p:cSld>
   <p:clrMapOvr>
     <a:masterClrMapping/>
@@ -1121,13 +1015,7 @@
       </p:grpSpPr>
       <p:sp>
         <p:nvSpPr>
-          <p:cNvPr id="2" name="Title 1">
-            <a:extLst>
-              <a:ext uri="{FF2B5EF4-FFF2-40B4-BE49-F238E27FC236}">
-                <a16:creationId xmlns:a16="http://schemas.microsoft.com/office/drawing/2014/main" id="{8539C4B1-FAD2-4BD5-A405-DCBA36EF1C3A}"/>
-              </a:ext>
-            </a:extLst>
-          </p:cNvPr>
+          <p:cNvPr id="2" name="Title 1"/>
           <p:cNvSpPr>
             <a:spLocks noGrp="1"/>
           </p:cNvSpPr>
@@ -1144,19 +1032,13 @@
               <a:rPr lang="en-US"/>
               <a:t>Click to edit Master title style</a:t>
             </a:r>
-            <a:endParaRPr lang="en-PK"/>
+            <a:endParaRPr lang="en-US"/>
           </a:p>
         </p:txBody>
       </p:sp>
       <p:sp>
         <p:nvSpPr>
-          <p:cNvPr id="3" name="Content Placeholder 2">
-            <a:extLst>
-              <a:ext uri="{FF2B5EF4-FFF2-40B4-BE49-F238E27FC236}">
-                <a16:creationId xmlns:a16="http://schemas.microsoft.com/office/drawing/2014/main" id="{2EF68F0C-6070-41A6-AE70-F7D9B90463DD}"/>
-              </a:ext>
-            </a:extLst>
-          </p:cNvPr>
+          <p:cNvPr id="3" name="Content Placeholder 2"/>
           <p:cNvSpPr>
             <a:spLocks noGrp="1"/>
           </p:cNvSpPr>
@@ -1174,6 +1056,7 @@
               <a:rPr lang="en-US"/>
               <a:t>Edit Master text styles</a:t>
             </a:r>
+            <a:endParaRPr lang="en-US"/>
           </a:p>
           <a:p>
             <a:pPr lvl="1"/>
@@ -1181,6 +1064,7 @@
               <a:rPr lang="en-US"/>
               <a:t>Second level</a:t>
             </a:r>
+            <a:endParaRPr lang="en-US"/>
           </a:p>
           <a:p>
             <a:pPr lvl="2"/>
@@ -1188,6 +1072,7 @@
               <a:rPr lang="en-US"/>
               <a:t>Third level</a:t>
             </a:r>
+            <a:endParaRPr lang="en-US"/>
           </a:p>
           <a:p>
             <a:pPr lvl="3"/>
@@ -1195,6 +1080,7 @@
               <a:rPr lang="en-US"/>
               <a:t>Fourth level</a:t>
             </a:r>
+            <a:endParaRPr lang="en-US"/>
           </a:p>
           <a:p>
             <a:pPr lvl="4"/>
@@ -1202,19 +1088,13 @@
               <a:rPr lang="en-US"/>
               <a:t>Fifth level</a:t>
             </a:r>
-            <a:endParaRPr lang="en-PK"/>
+            <a:endParaRPr lang="en-US"/>
           </a:p>
         </p:txBody>
       </p:sp>
       <p:sp>
         <p:nvSpPr>
-          <p:cNvPr id="4" name="Date Placeholder 3">
-            <a:extLst>
-              <a:ext uri="{FF2B5EF4-FFF2-40B4-BE49-F238E27FC236}">
-                <a16:creationId xmlns:a16="http://schemas.microsoft.com/office/drawing/2014/main" id="{4DE6BCA1-FA2D-4F89-9CDB-26CE0BE18ABD}"/>
-              </a:ext>
-            </a:extLst>
-          </p:cNvPr>
+          <p:cNvPr id="4" name="Date Placeholder 3"/>
           <p:cNvSpPr>
             <a:spLocks noGrp="1"/>
           </p:cNvSpPr>
@@ -1228,22 +1108,15 @@
           <a:lstStyle/>
           <a:p>
             <a:fld id="{B786C7A1-9B12-40D9-891D-3010BC82B2B6}" type="datetimeFigureOut">
-              <a:rPr lang="en-PK" smtClean="0"/>
-              <a:t>08/07/2024</a:t>
+              <a:rPr lang="en-US" smtClean="0"/>
             </a:fld>
-            <a:endParaRPr lang="en-PK"/>
+            <a:endParaRPr lang="en-US"/>
           </a:p>
         </p:txBody>
       </p:sp>
       <p:sp>
         <p:nvSpPr>
-          <p:cNvPr id="5" name="Footer Placeholder 4">
-            <a:extLst>
-              <a:ext uri="{FF2B5EF4-FFF2-40B4-BE49-F238E27FC236}">
-                <a16:creationId xmlns:a16="http://schemas.microsoft.com/office/drawing/2014/main" id="{20ECF3EA-240B-4B9C-810A-2A1F3533E1F0}"/>
-              </a:ext>
-            </a:extLst>
-          </p:cNvPr>
+          <p:cNvPr id="5" name="Footer Placeholder 4"/>
           <p:cNvSpPr>
             <a:spLocks noGrp="1"/>
           </p:cNvSpPr>
@@ -1256,19 +1129,13 @@
           <a:bodyPr/>
           <a:lstStyle/>
           <a:p>
-            <a:endParaRPr lang="en-PK"/>
+            <a:endParaRPr lang="en-US"/>
           </a:p>
         </p:txBody>
       </p:sp>
       <p:sp>
         <p:nvSpPr>
-          <p:cNvPr id="6" name="Slide Number Placeholder 5">
-            <a:extLst>
-              <a:ext uri="{FF2B5EF4-FFF2-40B4-BE49-F238E27FC236}">
-                <a16:creationId xmlns:a16="http://schemas.microsoft.com/office/drawing/2014/main" id="{1F5C807A-F382-4C1A-8235-A07A01494C96}"/>
-              </a:ext>
-            </a:extLst>
-          </p:cNvPr>
+          <p:cNvPr id="6" name="Slide Number Placeholder 5"/>
           <p:cNvSpPr>
             <a:spLocks noGrp="1"/>
           </p:cNvSpPr>
@@ -1282,19 +1149,13 @@
           <a:lstStyle/>
           <a:p>
             <a:fld id="{A875A68F-2A37-4ADE-AE8F-3D5E26D6A737}" type="slidenum">
-              <a:rPr lang="en-PK" smtClean="0"/>
-              <a:t>‹#›</a:t>
+              <a:rPr lang="en-US" smtClean="0"/>
             </a:fld>
-            <a:endParaRPr lang="en-PK"/>
+            <a:endParaRPr lang="en-US"/>
           </a:p>
         </p:txBody>
       </p:sp>
     </p:spTree>
-    <p:extLst>
-      <p:ext uri="{BB962C8B-B14F-4D97-AF65-F5344CB8AC3E}">
-        <p14:creationId xmlns:p14="http://schemas.microsoft.com/office/powerpoint/2010/main" val="299703890"/>
-      </p:ext>
-    </p:extLst>
   </p:cSld>
   <p:clrMapOvr>
     <a:masterClrMapping/>
@@ -1321,13 +1182,7 @@
       </p:grpSpPr>
       <p:sp>
         <p:nvSpPr>
-          <p:cNvPr id="2" name="Title 1">
-            <a:extLst>
-              <a:ext uri="{FF2B5EF4-FFF2-40B4-BE49-F238E27FC236}">
-                <a16:creationId xmlns:a16="http://schemas.microsoft.com/office/drawing/2014/main" id="{C0E3B16F-55F5-4BFC-A8E9-0D16D6EECB0B}"/>
-              </a:ext>
-            </a:extLst>
-          </p:cNvPr>
+          <p:cNvPr id="2" name="Title 1"/>
           <p:cNvSpPr>
             <a:spLocks noGrp="1"/>
           </p:cNvSpPr>
@@ -1353,19 +1208,13 @@
               <a:rPr lang="en-US"/>
               <a:t>Click to edit Master title style</a:t>
             </a:r>
-            <a:endParaRPr lang="en-PK"/>
+            <a:endParaRPr lang="en-US"/>
           </a:p>
         </p:txBody>
       </p:sp>
       <p:sp>
         <p:nvSpPr>
-          <p:cNvPr id="3" name="Text Placeholder 2">
-            <a:extLst>
-              <a:ext uri="{FF2B5EF4-FFF2-40B4-BE49-F238E27FC236}">
-                <a16:creationId xmlns:a16="http://schemas.microsoft.com/office/drawing/2014/main" id="{3C4E139A-95D7-4A69-B659-63F3DF55CFAC}"/>
-              </a:ext>
-            </a:extLst>
-          </p:cNvPr>
+          <p:cNvPr id="3" name="Text Placeholder 2"/>
           <p:cNvSpPr>
             <a:spLocks noGrp="1"/>
           </p:cNvSpPr>
@@ -1479,18 +1328,13 @@
               <a:rPr lang="en-US"/>
               <a:t>Edit Master text styles</a:t>
             </a:r>
+            <a:endParaRPr lang="en-US"/>
           </a:p>
         </p:txBody>
       </p:sp>
       <p:sp>
         <p:nvSpPr>
-          <p:cNvPr id="4" name="Date Placeholder 3">
-            <a:extLst>
-              <a:ext uri="{FF2B5EF4-FFF2-40B4-BE49-F238E27FC236}">
-                <a16:creationId xmlns:a16="http://schemas.microsoft.com/office/drawing/2014/main" id="{6027F014-5055-4092-AAE3-1833A56EB9CB}"/>
-              </a:ext>
-            </a:extLst>
-          </p:cNvPr>
+          <p:cNvPr id="4" name="Date Placeholder 3"/>
           <p:cNvSpPr>
             <a:spLocks noGrp="1"/>
           </p:cNvSpPr>
@@ -1504,22 +1348,15 @@
           <a:lstStyle/>
           <a:p>
             <a:fld id="{B786C7A1-9B12-40D9-891D-3010BC82B2B6}" type="datetimeFigureOut">
-              <a:rPr lang="en-PK" smtClean="0"/>
-              <a:t>08/07/2024</a:t>
+              <a:rPr lang="en-US" smtClean="0"/>
             </a:fld>
-            <a:endParaRPr lang="en-PK"/>
+            <a:endParaRPr lang="en-US"/>
           </a:p>
         </p:txBody>
       </p:sp>
       <p:sp>
         <p:nvSpPr>
-          <p:cNvPr id="5" name="Footer Placeholder 4">
-            <a:extLst>
-              <a:ext uri="{FF2B5EF4-FFF2-40B4-BE49-F238E27FC236}">
-                <a16:creationId xmlns:a16="http://schemas.microsoft.com/office/drawing/2014/main" id="{11902DFD-7B66-4E4C-AD74-731B2B70D62B}"/>
-              </a:ext>
-            </a:extLst>
-          </p:cNvPr>
+          <p:cNvPr id="5" name="Footer Placeholder 4"/>
           <p:cNvSpPr>
             <a:spLocks noGrp="1"/>
           </p:cNvSpPr>
@@ -1532,19 +1369,13 @@
           <a:bodyPr/>
           <a:lstStyle/>
           <a:p>
-            <a:endParaRPr lang="en-PK"/>
+            <a:endParaRPr lang="en-US"/>
           </a:p>
         </p:txBody>
       </p:sp>
       <p:sp>
         <p:nvSpPr>
-          <p:cNvPr id="6" name="Slide Number Placeholder 5">
-            <a:extLst>
-              <a:ext uri="{FF2B5EF4-FFF2-40B4-BE49-F238E27FC236}">
-                <a16:creationId xmlns:a16="http://schemas.microsoft.com/office/drawing/2014/main" id="{09160EB6-CC12-4F75-9CE7-3C9A58D25CBB}"/>
-              </a:ext>
-            </a:extLst>
-          </p:cNvPr>
+          <p:cNvPr id="6" name="Slide Number Placeholder 5"/>
           <p:cNvSpPr>
             <a:spLocks noGrp="1"/>
           </p:cNvSpPr>
@@ -1558,19 +1389,13 @@
           <a:lstStyle/>
           <a:p>
             <a:fld id="{A875A68F-2A37-4ADE-AE8F-3D5E26D6A737}" type="slidenum">
-              <a:rPr lang="en-PK" smtClean="0"/>
-              <a:t>‹#›</a:t>
+              <a:rPr lang="en-US" smtClean="0"/>
             </a:fld>
-            <a:endParaRPr lang="en-PK"/>
+            <a:endParaRPr lang="en-US"/>
           </a:p>
         </p:txBody>
       </p:sp>
     </p:spTree>
-    <p:extLst>
-      <p:ext uri="{BB962C8B-B14F-4D97-AF65-F5344CB8AC3E}">
-        <p14:creationId xmlns:p14="http://schemas.microsoft.com/office/powerpoint/2010/main" val="2394286552"/>
-      </p:ext>
-    </p:extLst>
   </p:cSld>
   <p:clrMapOvr>
     <a:masterClrMapping/>
@@ -1597,13 +1422,7 @@
       </p:grpSpPr>
       <p:sp>
         <p:nvSpPr>
-          <p:cNvPr id="2" name="Title 1">
-            <a:extLst>
-              <a:ext uri="{FF2B5EF4-FFF2-40B4-BE49-F238E27FC236}">
-                <a16:creationId xmlns:a16="http://schemas.microsoft.com/office/drawing/2014/main" id="{04A49FA4-BC31-4789-A690-11658FAC0369}"/>
-              </a:ext>
-            </a:extLst>
-          </p:cNvPr>
+          <p:cNvPr id="2" name="Title 1"/>
           <p:cNvSpPr>
             <a:spLocks noGrp="1"/>
           </p:cNvSpPr>
@@ -1620,19 +1439,13 @@
               <a:rPr lang="en-US"/>
               <a:t>Click to edit Master title style</a:t>
             </a:r>
-            <a:endParaRPr lang="en-PK"/>
+            <a:endParaRPr lang="en-US"/>
           </a:p>
         </p:txBody>
       </p:sp>
       <p:sp>
         <p:nvSpPr>
-          <p:cNvPr id="3" name="Content Placeholder 2">
-            <a:extLst>
-              <a:ext uri="{FF2B5EF4-FFF2-40B4-BE49-F238E27FC236}">
-                <a16:creationId xmlns:a16="http://schemas.microsoft.com/office/drawing/2014/main" id="{49DC5B04-B3BE-4C89-AFF1-20D73880ADA7}"/>
-              </a:ext>
-            </a:extLst>
-          </p:cNvPr>
+          <p:cNvPr id="3" name="Content Placeholder 2"/>
           <p:cNvSpPr>
             <a:spLocks noGrp="1"/>
           </p:cNvSpPr>
@@ -1655,6 +1468,7 @@
               <a:rPr lang="en-US"/>
               <a:t>Edit Master text styles</a:t>
             </a:r>
+            <a:endParaRPr lang="en-US"/>
           </a:p>
           <a:p>
             <a:pPr lvl="1"/>
@@ -1662,6 +1476,7 @@
               <a:rPr lang="en-US"/>
               <a:t>Second level</a:t>
             </a:r>
+            <a:endParaRPr lang="en-US"/>
           </a:p>
           <a:p>
             <a:pPr lvl="2"/>
@@ -1669,6 +1484,7 @@
               <a:rPr lang="en-US"/>
               <a:t>Third level</a:t>
             </a:r>
+            <a:endParaRPr lang="en-US"/>
           </a:p>
           <a:p>
             <a:pPr lvl="3"/>
@@ -1676,6 +1492,7 @@
               <a:rPr lang="en-US"/>
               <a:t>Fourth level</a:t>
             </a:r>
+            <a:endParaRPr lang="en-US"/>
           </a:p>
           <a:p>
             <a:pPr lvl="4"/>
@@ -1683,19 +1500,13 @@
               <a:rPr lang="en-US"/>
               <a:t>Fifth level</a:t>
             </a:r>
-            <a:endParaRPr lang="en-PK"/>
+            <a:endParaRPr lang="en-US"/>
           </a:p>
         </p:txBody>
       </p:sp>
       <p:sp>
         <p:nvSpPr>
-          <p:cNvPr id="4" name="Content Placeholder 3">
-            <a:extLst>
-              <a:ext uri="{FF2B5EF4-FFF2-40B4-BE49-F238E27FC236}">
-                <a16:creationId xmlns:a16="http://schemas.microsoft.com/office/drawing/2014/main" id="{277F6293-B206-4DD6-ACCC-E186FB63A5D1}"/>
-              </a:ext>
-            </a:extLst>
-          </p:cNvPr>
+          <p:cNvPr id="4" name="Content Placeholder 3"/>
           <p:cNvSpPr>
             <a:spLocks noGrp="1"/>
           </p:cNvSpPr>
@@ -1718,6 +1529,7 @@
               <a:rPr lang="en-US"/>
               <a:t>Edit Master text styles</a:t>
             </a:r>
+            <a:endParaRPr lang="en-US"/>
           </a:p>
           <a:p>
             <a:pPr lvl="1"/>
@@ -1725,6 +1537,7 @@
               <a:rPr lang="en-US"/>
               <a:t>Second level</a:t>
             </a:r>
+            <a:endParaRPr lang="en-US"/>
           </a:p>
           <a:p>
             <a:pPr lvl="2"/>
@@ -1732,6 +1545,7 @@
               <a:rPr lang="en-US"/>
               <a:t>Third level</a:t>
             </a:r>
+            <a:endParaRPr lang="en-US"/>
           </a:p>
           <a:p>
             <a:pPr lvl="3"/>
@@ -1739,6 +1553,7 @@
               <a:rPr lang="en-US"/>
               <a:t>Fourth level</a:t>
             </a:r>
+            <a:endParaRPr lang="en-US"/>
           </a:p>
           <a:p>
             <a:pPr lvl="4"/>
@@ -1746,19 +1561,13 @@
               <a:rPr lang="en-US"/>
               <a:t>Fifth level</a:t>
             </a:r>
-            <a:endParaRPr lang="en-PK"/>
+            <a:endParaRPr lang="en-US"/>
           </a:p>
         </p:txBody>
       </p:sp>
       <p:sp>
         <p:nvSpPr>
-          <p:cNvPr id="5" name="Date Placeholder 4">
-            <a:extLst>
-              <a:ext uri="{FF2B5EF4-FFF2-40B4-BE49-F238E27FC236}">
-                <a16:creationId xmlns:a16="http://schemas.microsoft.com/office/drawing/2014/main" id="{C20C05B8-30B1-4A6B-9670-E21833C74DD6}"/>
-              </a:ext>
-            </a:extLst>
-          </p:cNvPr>
+          <p:cNvPr id="5" name="Date Placeholder 4"/>
           <p:cNvSpPr>
             <a:spLocks noGrp="1"/>
           </p:cNvSpPr>
@@ -1772,22 +1581,15 @@
           <a:lstStyle/>
           <a:p>
             <a:fld id="{B786C7A1-9B12-40D9-891D-3010BC82B2B6}" type="datetimeFigureOut">
-              <a:rPr lang="en-PK" smtClean="0"/>
-              <a:t>08/07/2024</a:t>
+              <a:rPr lang="en-US" smtClean="0"/>
             </a:fld>
-            <a:endParaRPr lang="en-PK"/>
+            <a:endParaRPr lang="en-US"/>
           </a:p>
         </p:txBody>
       </p:sp>
       <p:sp>
         <p:nvSpPr>
-          <p:cNvPr id="6" name="Footer Placeholder 5">
-            <a:extLst>
-              <a:ext uri="{FF2B5EF4-FFF2-40B4-BE49-F238E27FC236}">
-                <a16:creationId xmlns:a16="http://schemas.microsoft.com/office/drawing/2014/main" id="{8F48BB2D-3EF6-4ADD-85F9-8BFFFDF0E114}"/>
-              </a:ext>
-            </a:extLst>
-          </p:cNvPr>
+          <p:cNvPr id="6" name="Footer Placeholder 5"/>
           <p:cNvSpPr>
             <a:spLocks noGrp="1"/>
           </p:cNvSpPr>
@@ -1800,19 +1602,13 @@
           <a:bodyPr/>
           <a:lstStyle/>
           <a:p>
-            <a:endParaRPr lang="en-PK"/>
+            <a:endParaRPr lang="en-US"/>
           </a:p>
         </p:txBody>
       </p:sp>
       <p:sp>
         <p:nvSpPr>
-          <p:cNvPr id="7" name="Slide Number Placeholder 6">
-            <a:extLst>
-              <a:ext uri="{FF2B5EF4-FFF2-40B4-BE49-F238E27FC236}">
-                <a16:creationId xmlns:a16="http://schemas.microsoft.com/office/drawing/2014/main" id="{BE6FA63B-1BE1-4D3F-84D7-A71E3CC40444}"/>
-              </a:ext>
-            </a:extLst>
-          </p:cNvPr>
+          <p:cNvPr id="7" name="Slide Number Placeholder 6"/>
           <p:cNvSpPr>
             <a:spLocks noGrp="1"/>
           </p:cNvSpPr>
@@ -1826,19 +1622,13 @@
           <a:lstStyle/>
           <a:p>
             <a:fld id="{A875A68F-2A37-4ADE-AE8F-3D5E26D6A737}" type="slidenum">
-              <a:rPr lang="en-PK" smtClean="0"/>
-              <a:t>‹#›</a:t>
+              <a:rPr lang="en-US" smtClean="0"/>
             </a:fld>
-            <a:endParaRPr lang="en-PK"/>
+            <a:endParaRPr lang="en-US"/>
           </a:p>
         </p:txBody>
       </p:sp>
     </p:spTree>
-    <p:extLst>
-      <p:ext uri="{BB962C8B-B14F-4D97-AF65-F5344CB8AC3E}">
-        <p14:creationId xmlns:p14="http://schemas.microsoft.com/office/powerpoint/2010/main" val="3554956275"/>
-      </p:ext>
-    </p:extLst>
   </p:cSld>
   <p:clrMapOvr>
     <a:masterClrMapping/>
@@ -1865,13 +1655,7 @@
       </p:grpSpPr>
       <p:sp>
         <p:nvSpPr>
-          <p:cNvPr id="2" name="Title 1">
-            <a:extLst>
-              <a:ext uri="{FF2B5EF4-FFF2-40B4-BE49-F238E27FC236}">
-                <a16:creationId xmlns:a16="http://schemas.microsoft.com/office/drawing/2014/main" id="{390F117C-17F6-490D-A546-492593625F90}"/>
-              </a:ext>
-            </a:extLst>
-          </p:cNvPr>
+          <p:cNvPr id="2" name="Title 1"/>
           <p:cNvSpPr>
             <a:spLocks noGrp="1"/>
           </p:cNvSpPr>
@@ -1893,19 +1677,13 @@
               <a:rPr lang="en-US"/>
               <a:t>Click to edit Master title style</a:t>
             </a:r>
-            <a:endParaRPr lang="en-PK"/>
+            <a:endParaRPr lang="en-US"/>
           </a:p>
         </p:txBody>
       </p:sp>
       <p:sp>
         <p:nvSpPr>
-          <p:cNvPr id="3" name="Text Placeholder 2">
-            <a:extLst>
-              <a:ext uri="{FF2B5EF4-FFF2-40B4-BE49-F238E27FC236}">
-                <a16:creationId xmlns:a16="http://schemas.microsoft.com/office/drawing/2014/main" id="{2C31A689-94D0-4F35-B49E-CF892111BB07}"/>
-              </a:ext>
-            </a:extLst>
-          </p:cNvPr>
+          <p:cNvPr id="3" name="Text Placeholder 2"/>
           <p:cNvSpPr>
             <a:spLocks noGrp="1"/>
           </p:cNvSpPr>
@@ -1965,18 +1743,13 @@
               <a:rPr lang="en-US"/>
               <a:t>Edit Master text styles</a:t>
             </a:r>
+            <a:endParaRPr lang="en-US"/>
           </a:p>
         </p:txBody>
       </p:sp>
       <p:sp>
         <p:nvSpPr>
-          <p:cNvPr id="4" name="Content Placeholder 3">
-            <a:extLst>
-              <a:ext uri="{FF2B5EF4-FFF2-40B4-BE49-F238E27FC236}">
-                <a16:creationId xmlns:a16="http://schemas.microsoft.com/office/drawing/2014/main" id="{6585845D-402B-41C2-90B1-BC4B19038B82}"/>
-              </a:ext>
-            </a:extLst>
-          </p:cNvPr>
+          <p:cNvPr id="4" name="Content Placeholder 3"/>
           <p:cNvSpPr>
             <a:spLocks noGrp="1"/>
           </p:cNvSpPr>
@@ -1999,6 +1772,7 @@
               <a:rPr lang="en-US"/>
               <a:t>Edit Master text styles</a:t>
             </a:r>
+            <a:endParaRPr lang="en-US"/>
           </a:p>
           <a:p>
             <a:pPr lvl="1"/>
@@ -2006,6 +1780,7 @@
               <a:rPr lang="en-US"/>
               <a:t>Second level</a:t>
             </a:r>
+            <a:endParaRPr lang="en-US"/>
           </a:p>
           <a:p>
             <a:pPr lvl="2"/>
@@ -2013,6 +1788,7 @@
               <a:rPr lang="en-US"/>
               <a:t>Third level</a:t>
             </a:r>
+            <a:endParaRPr lang="en-US"/>
           </a:p>
           <a:p>
             <a:pPr lvl="3"/>
@@ -2020,6 +1796,7 @@
               <a:rPr lang="en-US"/>
               <a:t>Fourth level</a:t>
             </a:r>
+            <a:endParaRPr lang="en-US"/>
           </a:p>
           <a:p>
             <a:pPr lvl="4"/>
@@ -2027,19 +1804,13 @@
               <a:rPr lang="en-US"/>
               <a:t>Fifth level</a:t>
             </a:r>
-            <a:endParaRPr lang="en-PK"/>
+            <a:endParaRPr lang="en-US"/>
           </a:p>
         </p:txBody>
       </p:sp>
       <p:sp>
         <p:nvSpPr>
-          <p:cNvPr id="5" name="Text Placeholder 4">
-            <a:extLst>
-              <a:ext uri="{FF2B5EF4-FFF2-40B4-BE49-F238E27FC236}">
-                <a16:creationId xmlns:a16="http://schemas.microsoft.com/office/drawing/2014/main" id="{09882A07-96FC-4150-82FF-6D594B7C4CDA}"/>
-              </a:ext>
-            </a:extLst>
-          </p:cNvPr>
+          <p:cNvPr id="5" name="Text Placeholder 4"/>
           <p:cNvSpPr>
             <a:spLocks noGrp="1"/>
           </p:cNvSpPr>
@@ -2099,18 +1870,13 @@
               <a:rPr lang="en-US"/>
               <a:t>Edit Master text styles</a:t>
             </a:r>
+            <a:endParaRPr lang="en-US"/>
           </a:p>
         </p:txBody>
       </p:sp>
       <p:sp>
         <p:nvSpPr>
-          <p:cNvPr id="6" name="Content Placeholder 5">
-            <a:extLst>
-              <a:ext uri="{FF2B5EF4-FFF2-40B4-BE49-F238E27FC236}">
-                <a16:creationId xmlns:a16="http://schemas.microsoft.com/office/drawing/2014/main" id="{E47DB972-7D91-4B3B-A91D-341688BF0E0F}"/>
-              </a:ext>
-            </a:extLst>
-          </p:cNvPr>
+          <p:cNvPr id="6" name="Content Placeholder 5"/>
           <p:cNvSpPr>
             <a:spLocks noGrp="1"/>
           </p:cNvSpPr>
@@ -2133,6 +1899,7 @@
               <a:rPr lang="en-US"/>
               <a:t>Edit Master text styles</a:t>
             </a:r>
+            <a:endParaRPr lang="en-US"/>
           </a:p>
           <a:p>
             <a:pPr lvl="1"/>
@@ -2140,6 +1907,7 @@
               <a:rPr lang="en-US"/>
               <a:t>Second level</a:t>
             </a:r>
+            <a:endParaRPr lang="en-US"/>
           </a:p>
           <a:p>
             <a:pPr lvl="2"/>
@@ -2147,6 +1915,7 @@
               <a:rPr lang="en-US"/>
               <a:t>Third level</a:t>
             </a:r>
+            <a:endParaRPr lang="en-US"/>
           </a:p>
           <a:p>
             <a:pPr lvl="3"/>
@@ -2154,6 +1923,7 @@
               <a:rPr lang="en-US"/>
               <a:t>Fourth level</a:t>
             </a:r>
+            <a:endParaRPr lang="en-US"/>
           </a:p>
           <a:p>
             <a:pPr lvl="4"/>
@@ -2161,19 +1931,13 @@
               <a:rPr lang="en-US"/>
               <a:t>Fifth level</a:t>
             </a:r>
-            <a:endParaRPr lang="en-PK"/>
+            <a:endParaRPr lang="en-US"/>
           </a:p>
         </p:txBody>
       </p:sp>
       <p:sp>
         <p:nvSpPr>
-          <p:cNvPr id="7" name="Date Placeholder 6">
-            <a:extLst>
-              <a:ext uri="{FF2B5EF4-FFF2-40B4-BE49-F238E27FC236}">
-                <a16:creationId xmlns:a16="http://schemas.microsoft.com/office/drawing/2014/main" id="{99AE7D2E-067D-4209-8F1F-D9F8CFC6753D}"/>
-              </a:ext>
-            </a:extLst>
-          </p:cNvPr>
+          <p:cNvPr id="7" name="Date Placeholder 6"/>
           <p:cNvSpPr>
             <a:spLocks noGrp="1"/>
           </p:cNvSpPr>
@@ -2187,22 +1951,15 @@
           <a:lstStyle/>
           <a:p>
             <a:fld id="{B786C7A1-9B12-40D9-891D-3010BC82B2B6}" type="datetimeFigureOut">
-              <a:rPr lang="en-PK" smtClean="0"/>
-              <a:t>08/07/2024</a:t>
+              <a:rPr lang="en-US" smtClean="0"/>
             </a:fld>
-            <a:endParaRPr lang="en-PK"/>
+            <a:endParaRPr lang="en-US"/>
           </a:p>
         </p:txBody>
       </p:sp>
       <p:sp>
         <p:nvSpPr>
-          <p:cNvPr id="8" name="Footer Placeholder 7">
-            <a:extLst>
-              <a:ext uri="{FF2B5EF4-FFF2-40B4-BE49-F238E27FC236}">
-                <a16:creationId xmlns:a16="http://schemas.microsoft.com/office/drawing/2014/main" id="{E4DCD4DB-C88B-4AF6-8669-674027CECE7C}"/>
-              </a:ext>
-            </a:extLst>
-          </p:cNvPr>
+          <p:cNvPr id="8" name="Footer Placeholder 7"/>
           <p:cNvSpPr>
             <a:spLocks noGrp="1"/>
           </p:cNvSpPr>
@@ -2215,19 +1972,13 @@
           <a:bodyPr/>
           <a:lstStyle/>
           <a:p>
-            <a:endParaRPr lang="en-PK"/>
+            <a:endParaRPr lang="en-US"/>
           </a:p>
         </p:txBody>
       </p:sp>
       <p:sp>
         <p:nvSpPr>
-          <p:cNvPr id="9" name="Slide Number Placeholder 8">
-            <a:extLst>
-              <a:ext uri="{FF2B5EF4-FFF2-40B4-BE49-F238E27FC236}">
-                <a16:creationId xmlns:a16="http://schemas.microsoft.com/office/drawing/2014/main" id="{212E0993-3C5D-4382-9A89-02AC5F372FC2}"/>
-              </a:ext>
-            </a:extLst>
-          </p:cNvPr>
+          <p:cNvPr id="9" name="Slide Number Placeholder 8"/>
           <p:cNvSpPr>
             <a:spLocks noGrp="1"/>
           </p:cNvSpPr>
@@ -2241,19 +1992,13 @@
           <a:lstStyle/>
           <a:p>
             <a:fld id="{A875A68F-2A37-4ADE-AE8F-3D5E26D6A737}" type="slidenum">
-              <a:rPr lang="en-PK" smtClean="0"/>
-              <a:t>‹#›</a:t>
+              <a:rPr lang="en-US" smtClean="0"/>
             </a:fld>
-            <a:endParaRPr lang="en-PK"/>
+            <a:endParaRPr lang="en-US"/>
           </a:p>
         </p:txBody>
       </p:sp>
     </p:spTree>
-    <p:extLst>
-      <p:ext uri="{BB962C8B-B14F-4D97-AF65-F5344CB8AC3E}">
-        <p14:creationId xmlns:p14="http://schemas.microsoft.com/office/powerpoint/2010/main" val="491436936"/>
-      </p:ext>
-    </p:extLst>
   </p:cSld>
   <p:clrMapOvr>
     <a:masterClrMapping/>
@@ -2280,13 +2025,7 @@
       </p:grpSpPr>
       <p:sp>
         <p:nvSpPr>
-          <p:cNvPr id="2" name="Title 1">
-            <a:extLst>
-              <a:ext uri="{FF2B5EF4-FFF2-40B4-BE49-F238E27FC236}">
-                <a16:creationId xmlns:a16="http://schemas.microsoft.com/office/drawing/2014/main" id="{4DE20F27-E4D8-4CC0-8781-C9DBC9871776}"/>
-              </a:ext>
-            </a:extLst>
-          </p:cNvPr>
+          <p:cNvPr id="2" name="Title 1"/>
           <p:cNvSpPr>
             <a:spLocks noGrp="1"/>
           </p:cNvSpPr>
@@ -2303,19 +2042,13 @@
               <a:rPr lang="en-US"/>
               <a:t>Click to edit Master title style</a:t>
             </a:r>
-            <a:endParaRPr lang="en-PK"/>
+            <a:endParaRPr lang="en-US"/>
           </a:p>
         </p:txBody>
       </p:sp>
       <p:sp>
         <p:nvSpPr>
-          <p:cNvPr id="3" name="Date Placeholder 2">
-            <a:extLst>
-              <a:ext uri="{FF2B5EF4-FFF2-40B4-BE49-F238E27FC236}">
-                <a16:creationId xmlns:a16="http://schemas.microsoft.com/office/drawing/2014/main" id="{3DA12D2D-43DC-450A-9C8D-5D0404581ABD}"/>
-              </a:ext>
-            </a:extLst>
-          </p:cNvPr>
+          <p:cNvPr id="3" name="Date Placeholder 2"/>
           <p:cNvSpPr>
             <a:spLocks noGrp="1"/>
           </p:cNvSpPr>
@@ -2329,22 +2062,15 @@
           <a:lstStyle/>
           <a:p>
             <a:fld id="{B786C7A1-9B12-40D9-891D-3010BC82B2B6}" type="datetimeFigureOut">
-              <a:rPr lang="en-PK" smtClean="0"/>
-              <a:t>08/07/2024</a:t>
+              <a:rPr lang="en-US" smtClean="0"/>
             </a:fld>
-            <a:endParaRPr lang="en-PK"/>
+            <a:endParaRPr lang="en-US"/>
           </a:p>
         </p:txBody>
       </p:sp>
       <p:sp>
         <p:nvSpPr>
-          <p:cNvPr id="4" name="Footer Placeholder 3">
-            <a:extLst>
-              <a:ext uri="{FF2B5EF4-FFF2-40B4-BE49-F238E27FC236}">
-                <a16:creationId xmlns:a16="http://schemas.microsoft.com/office/drawing/2014/main" id="{39296DFB-C282-4E94-A580-D74C9208CCA6}"/>
-              </a:ext>
-            </a:extLst>
-          </p:cNvPr>
+          <p:cNvPr id="4" name="Footer Placeholder 3"/>
           <p:cNvSpPr>
             <a:spLocks noGrp="1"/>
           </p:cNvSpPr>
@@ -2357,19 +2083,13 @@
           <a:bodyPr/>
           <a:lstStyle/>
           <a:p>
-            <a:endParaRPr lang="en-PK"/>
+            <a:endParaRPr lang="en-US"/>
           </a:p>
         </p:txBody>
       </p:sp>
       <p:sp>
         <p:nvSpPr>
-          <p:cNvPr id="5" name="Slide Number Placeholder 4">
-            <a:extLst>
-              <a:ext uri="{FF2B5EF4-FFF2-40B4-BE49-F238E27FC236}">
-                <a16:creationId xmlns:a16="http://schemas.microsoft.com/office/drawing/2014/main" id="{D69C3DAB-A7B5-4203-A482-DAB9BA2EEDE5}"/>
-              </a:ext>
-            </a:extLst>
-          </p:cNvPr>
+          <p:cNvPr id="5" name="Slide Number Placeholder 4"/>
           <p:cNvSpPr>
             <a:spLocks noGrp="1"/>
           </p:cNvSpPr>
@@ -2383,19 +2103,13 @@
           <a:lstStyle/>
           <a:p>
             <a:fld id="{A875A68F-2A37-4ADE-AE8F-3D5E26D6A737}" type="slidenum">
-              <a:rPr lang="en-PK" smtClean="0"/>
-              <a:t>‹#›</a:t>
+              <a:rPr lang="en-US" smtClean="0"/>
             </a:fld>
-            <a:endParaRPr lang="en-PK"/>
+            <a:endParaRPr lang="en-US"/>
           </a:p>
         </p:txBody>
       </p:sp>
     </p:spTree>
-    <p:extLst>
-      <p:ext uri="{BB962C8B-B14F-4D97-AF65-F5344CB8AC3E}">
-        <p14:creationId xmlns:p14="http://schemas.microsoft.com/office/powerpoint/2010/main" val="1528156497"/>
-      </p:ext>
-    </p:extLst>
   </p:cSld>
   <p:clrMapOvr>
     <a:masterClrMapping/>
@@ -2422,13 +2136,7 @@
       </p:grpSpPr>
       <p:sp>
         <p:nvSpPr>
-          <p:cNvPr id="2" name="Date Placeholder 1">
-            <a:extLst>
-              <a:ext uri="{FF2B5EF4-FFF2-40B4-BE49-F238E27FC236}">
-                <a16:creationId xmlns:a16="http://schemas.microsoft.com/office/drawing/2014/main" id="{A24EF7A7-275E-4FA3-ACF4-4603BF25228B}"/>
-              </a:ext>
-            </a:extLst>
-          </p:cNvPr>
+          <p:cNvPr id="2" name="Date Placeholder 1"/>
           <p:cNvSpPr>
             <a:spLocks noGrp="1"/>
           </p:cNvSpPr>
@@ -2442,22 +2150,15 @@
           <a:lstStyle/>
           <a:p>
             <a:fld id="{B786C7A1-9B12-40D9-891D-3010BC82B2B6}" type="datetimeFigureOut">
-              <a:rPr lang="en-PK" smtClean="0"/>
-              <a:t>08/07/2024</a:t>
+              <a:rPr lang="en-US" smtClean="0"/>
             </a:fld>
-            <a:endParaRPr lang="en-PK"/>
+            <a:endParaRPr lang="en-US"/>
           </a:p>
         </p:txBody>
       </p:sp>
       <p:sp>
         <p:nvSpPr>
-          <p:cNvPr id="3" name="Footer Placeholder 2">
-            <a:extLst>
-              <a:ext uri="{FF2B5EF4-FFF2-40B4-BE49-F238E27FC236}">
-                <a16:creationId xmlns:a16="http://schemas.microsoft.com/office/drawing/2014/main" id="{8EC7FBFD-941C-4905-9063-B650487D43D9}"/>
-              </a:ext>
-            </a:extLst>
-          </p:cNvPr>
+          <p:cNvPr id="3" name="Footer Placeholder 2"/>
           <p:cNvSpPr>
             <a:spLocks noGrp="1"/>
           </p:cNvSpPr>
@@ -2470,19 +2171,13 @@
           <a:bodyPr/>
           <a:lstStyle/>
           <a:p>
-            <a:endParaRPr lang="en-PK"/>
+            <a:endParaRPr lang="en-US"/>
           </a:p>
         </p:txBody>
       </p:sp>
       <p:sp>
         <p:nvSpPr>
-          <p:cNvPr id="4" name="Slide Number Placeholder 3">
-            <a:extLst>
-              <a:ext uri="{FF2B5EF4-FFF2-40B4-BE49-F238E27FC236}">
-                <a16:creationId xmlns:a16="http://schemas.microsoft.com/office/drawing/2014/main" id="{B23E36FF-112C-4F2E-B43A-5C4D3579FC8A}"/>
-              </a:ext>
-            </a:extLst>
-          </p:cNvPr>
+          <p:cNvPr id="4" name="Slide Number Placeholder 3"/>
           <p:cNvSpPr>
             <a:spLocks noGrp="1"/>
           </p:cNvSpPr>
@@ -2496,19 +2191,13 @@
           <a:lstStyle/>
           <a:p>
             <a:fld id="{A875A68F-2A37-4ADE-AE8F-3D5E26D6A737}" type="slidenum">
-              <a:rPr lang="en-PK" smtClean="0"/>
-              <a:t>‹#›</a:t>
+              <a:rPr lang="en-US" smtClean="0"/>
             </a:fld>
-            <a:endParaRPr lang="en-PK"/>
+            <a:endParaRPr lang="en-US"/>
           </a:p>
         </p:txBody>
       </p:sp>
     </p:spTree>
-    <p:extLst>
-      <p:ext uri="{BB962C8B-B14F-4D97-AF65-F5344CB8AC3E}">
-        <p14:creationId xmlns:p14="http://schemas.microsoft.com/office/powerpoint/2010/main" val="1934067505"/>
-      </p:ext>
-    </p:extLst>
   </p:cSld>
   <p:clrMapOvr>
     <a:masterClrMapping/>
@@ -2535,13 +2224,7 @@
       </p:grpSpPr>
       <p:sp>
         <p:nvSpPr>
-          <p:cNvPr id="2" name="Title 1">
-            <a:extLst>
-              <a:ext uri="{FF2B5EF4-FFF2-40B4-BE49-F238E27FC236}">
-                <a16:creationId xmlns:a16="http://schemas.microsoft.com/office/drawing/2014/main" id="{E5428435-1EF7-416D-81D1-BDEA9D39E73B}"/>
-              </a:ext>
-            </a:extLst>
-          </p:cNvPr>
+          <p:cNvPr id="2" name="Title 1"/>
           <p:cNvSpPr>
             <a:spLocks noGrp="1"/>
           </p:cNvSpPr>
@@ -2567,19 +2250,13 @@
               <a:rPr lang="en-US"/>
               <a:t>Click to edit Master title style</a:t>
             </a:r>
-            <a:endParaRPr lang="en-PK"/>
+            <a:endParaRPr lang="en-US"/>
           </a:p>
         </p:txBody>
       </p:sp>
       <p:sp>
         <p:nvSpPr>
-          <p:cNvPr id="3" name="Content Placeholder 2">
-            <a:extLst>
-              <a:ext uri="{FF2B5EF4-FFF2-40B4-BE49-F238E27FC236}">
-                <a16:creationId xmlns:a16="http://schemas.microsoft.com/office/drawing/2014/main" id="{72F847F6-B3DC-4743-BF15-D7E0E75BE145}"/>
-              </a:ext>
-            </a:extLst>
-          </p:cNvPr>
+          <p:cNvPr id="3" name="Content Placeholder 2"/>
           <p:cNvSpPr>
             <a:spLocks noGrp="1"/>
           </p:cNvSpPr>
@@ -2630,6 +2307,7 @@
               <a:rPr lang="en-US"/>
               <a:t>Edit Master text styles</a:t>
             </a:r>
+            <a:endParaRPr lang="en-US"/>
           </a:p>
           <a:p>
             <a:pPr lvl="1"/>
@@ -2637,6 +2315,7 @@
               <a:rPr lang="en-US"/>
               <a:t>Second level</a:t>
             </a:r>
+            <a:endParaRPr lang="en-US"/>
           </a:p>
           <a:p>
             <a:pPr lvl="2"/>
@@ -2644,6 +2323,7 @@
               <a:rPr lang="en-US"/>
               <a:t>Third level</a:t>
             </a:r>
+            <a:endParaRPr lang="en-US"/>
           </a:p>
           <a:p>
             <a:pPr lvl="3"/>
@@ -2651,6 +2331,7 @@
               <a:rPr lang="en-US"/>
               <a:t>Fourth level</a:t>
             </a:r>
+            <a:endParaRPr lang="en-US"/>
           </a:p>
           <a:p>
             <a:pPr lvl="4"/>
@@ -2658,19 +2339,13 @@
               <a:rPr lang="en-US"/>
               <a:t>Fifth level</a:t>
             </a:r>
-            <a:endParaRPr lang="en-PK"/>
+            <a:endParaRPr lang="en-US"/>
           </a:p>
         </p:txBody>
       </p:sp>
       <p:sp>
         <p:nvSpPr>
-          <p:cNvPr id="4" name="Text Placeholder 3">
-            <a:extLst>
-              <a:ext uri="{FF2B5EF4-FFF2-40B4-BE49-F238E27FC236}">
-                <a16:creationId xmlns:a16="http://schemas.microsoft.com/office/drawing/2014/main" id="{EF3E3EA2-B0DB-4F77-8E5E-6A98F6950C48}"/>
-              </a:ext>
-            </a:extLst>
-          </p:cNvPr>
+          <p:cNvPr id="4" name="Text Placeholder 3"/>
           <p:cNvSpPr>
             <a:spLocks noGrp="1"/>
           </p:cNvSpPr>
@@ -2730,18 +2405,13 @@
               <a:rPr lang="en-US"/>
               <a:t>Edit Master text styles</a:t>
             </a:r>
+            <a:endParaRPr lang="en-US"/>
           </a:p>
         </p:txBody>
       </p:sp>
       <p:sp>
         <p:nvSpPr>
-          <p:cNvPr id="5" name="Date Placeholder 4">
-            <a:extLst>
-              <a:ext uri="{FF2B5EF4-FFF2-40B4-BE49-F238E27FC236}">
-                <a16:creationId xmlns:a16="http://schemas.microsoft.com/office/drawing/2014/main" id="{16FB902B-9C7C-4297-A3E6-8C0E13F4CFC3}"/>
-              </a:ext>
-            </a:extLst>
-          </p:cNvPr>
+          <p:cNvPr id="5" name="Date Placeholder 4"/>
           <p:cNvSpPr>
             <a:spLocks noGrp="1"/>
           </p:cNvSpPr>
@@ -2755,22 +2425,15 @@
           <a:lstStyle/>
           <a:p>
             <a:fld id="{B786C7A1-9B12-40D9-891D-3010BC82B2B6}" type="datetimeFigureOut">
-              <a:rPr lang="en-PK" smtClean="0"/>
-              <a:t>08/07/2024</a:t>
+              <a:rPr lang="en-US" smtClean="0"/>
             </a:fld>
-            <a:endParaRPr lang="en-PK"/>
+            <a:endParaRPr lang="en-US"/>
           </a:p>
         </p:txBody>
       </p:sp>
       <p:sp>
         <p:nvSpPr>
-          <p:cNvPr id="6" name="Footer Placeholder 5">
-            <a:extLst>
-              <a:ext uri="{FF2B5EF4-FFF2-40B4-BE49-F238E27FC236}">
-                <a16:creationId xmlns:a16="http://schemas.microsoft.com/office/drawing/2014/main" id="{36D25F5F-51CE-49BD-9157-15F6D050C1D0}"/>
-              </a:ext>
-            </a:extLst>
-          </p:cNvPr>
+          <p:cNvPr id="6" name="Footer Placeholder 5"/>
           <p:cNvSpPr>
             <a:spLocks noGrp="1"/>
           </p:cNvSpPr>
@@ -2783,19 +2446,13 @@
           <a:bodyPr/>
           <a:lstStyle/>
           <a:p>
-            <a:endParaRPr lang="en-PK"/>
+            <a:endParaRPr lang="en-US"/>
           </a:p>
         </p:txBody>
       </p:sp>
       <p:sp>
         <p:nvSpPr>
-          <p:cNvPr id="7" name="Slide Number Placeholder 6">
-            <a:extLst>
-              <a:ext uri="{FF2B5EF4-FFF2-40B4-BE49-F238E27FC236}">
-                <a16:creationId xmlns:a16="http://schemas.microsoft.com/office/drawing/2014/main" id="{0ECCBF5B-407C-4CD0-B873-BCFBC093AAB1}"/>
-              </a:ext>
-            </a:extLst>
-          </p:cNvPr>
+          <p:cNvPr id="7" name="Slide Number Placeholder 6"/>
           <p:cNvSpPr>
             <a:spLocks noGrp="1"/>
           </p:cNvSpPr>
@@ -2809,19 +2466,13 @@
           <a:lstStyle/>
           <a:p>
             <a:fld id="{A875A68F-2A37-4ADE-AE8F-3D5E26D6A737}" type="slidenum">
-              <a:rPr lang="en-PK" smtClean="0"/>
-              <a:t>‹#›</a:t>
+              <a:rPr lang="en-US" smtClean="0"/>
             </a:fld>
-            <a:endParaRPr lang="en-PK"/>
+            <a:endParaRPr lang="en-US"/>
           </a:p>
         </p:txBody>
       </p:sp>
     </p:spTree>
-    <p:extLst>
-      <p:ext uri="{BB962C8B-B14F-4D97-AF65-F5344CB8AC3E}">
-        <p14:creationId xmlns:p14="http://schemas.microsoft.com/office/powerpoint/2010/main" val="1764380663"/>
-      </p:ext>
-    </p:extLst>
   </p:cSld>
   <p:clrMapOvr>
     <a:masterClrMapping/>
@@ -2848,13 +2499,7 @@
       </p:grpSpPr>
       <p:sp>
         <p:nvSpPr>
-          <p:cNvPr id="2" name="Title 1">
-            <a:extLst>
-              <a:ext uri="{FF2B5EF4-FFF2-40B4-BE49-F238E27FC236}">
-                <a16:creationId xmlns:a16="http://schemas.microsoft.com/office/drawing/2014/main" id="{119D6F8A-CC66-4ECA-BE61-38D555101A18}"/>
-              </a:ext>
-            </a:extLst>
-          </p:cNvPr>
+          <p:cNvPr id="2" name="Title 1"/>
           <p:cNvSpPr>
             <a:spLocks noGrp="1"/>
           </p:cNvSpPr>
@@ -2880,19 +2525,13 @@
               <a:rPr lang="en-US"/>
               <a:t>Click to edit Master title style</a:t>
             </a:r>
-            <a:endParaRPr lang="en-PK"/>
+            <a:endParaRPr lang="en-US"/>
           </a:p>
         </p:txBody>
       </p:sp>
       <p:sp>
         <p:nvSpPr>
-          <p:cNvPr id="3" name="Picture Placeholder 2">
-            <a:extLst>
-              <a:ext uri="{FF2B5EF4-FFF2-40B4-BE49-F238E27FC236}">
-                <a16:creationId xmlns:a16="http://schemas.microsoft.com/office/drawing/2014/main" id="{C12E3167-CB45-4C0A-95E9-3B5802F2C566}"/>
-              </a:ext>
-            </a:extLst>
-          </p:cNvPr>
+          <p:cNvPr id="3" name="Picture Placeholder 2"/>
           <p:cNvSpPr>
             <a:spLocks noGrp="1"/>
           </p:cNvSpPr>
@@ -2947,19 +2586,13 @@
             </a:lvl9pPr>
           </a:lstStyle>
           <a:p>
-            <a:endParaRPr lang="en-PK"/>
+            <a:endParaRPr lang="en-US"/>
           </a:p>
         </p:txBody>
       </p:sp>
       <p:sp>
         <p:nvSpPr>
-          <p:cNvPr id="4" name="Text Placeholder 3">
-            <a:extLst>
-              <a:ext uri="{FF2B5EF4-FFF2-40B4-BE49-F238E27FC236}">
-                <a16:creationId xmlns:a16="http://schemas.microsoft.com/office/drawing/2014/main" id="{FF0681ED-72B1-4DD3-A5BE-BF89737ACF4A}"/>
-              </a:ext>
-            </a:extLst>
-          </p:cNvPr>
+          <p:cNvPr id="4" name="Text Placeholder 3"/>
           <p:cNvSpPr>
             <a:spLocks noGrp="1"/>
           </p:cNvSpPr>
@@ -3019,18 +2652,13 @@
               <a:rPr lang="en-US"/>
               <a:t>Edit Master text styles</a:t>
             </a:r>
+            <a:endParaRPr lang="en-US"/>
           </a:p>
         </p:txBody>
       </p:sp>
       <p:sp>
         <p:nvSpPr>
-          <p:cNvPr id="5" name="Date Placeholder 4">
-            <a:extLst>
-              <a:ext uri="{FF2B5EF4-FFF2-40B4-BE49-F238E27FC236}">
-                <a16:creationId xmlns:a16="http://schemas.microsoft.com/office/drawing/2014/main" id="{E70DC905-DBB0-49ED-8971-FBD180052691}"/>
-              </a:ext>
-            </a:extLst>
-          </p:cNvPr>
+          <p:cNvPr id="5" name="Date Placeholder 4"/>
           <p:cNvSpPr>
             <a:spLocks noGrp="1"/>
           </p:cNvSpPr>
@@ -3044,22 +2672,15 @@
           <a:lstStyle/>
           <a:p>
             <a:fld id="{B786C7A1-9B12-40D9-891D-3010BC82B2B6}" type="datetimeFigureOut">
-              <a:rPr lang="en-PK" smtClean="0"/>
-              <a:t>08/07/2024</a:t>
+              <a:rPr lang="en-US" smtClean="0"/>
             </a:fld>
-            <a:endParaRPr lang="en-PK"/>
+            <a:endParaRPr lang="en-US"/>
           </a:p>
         </p:txBody>
       </p:sp>
       <p:sp>
         <p:nvSpPr>
-          <p:cNvPr id="6" name="Footer Placeholder 5">
-            <a:extLst>
-              <a:ext uri="{FF2B5EF4-FFF2-40B4-BE49-F238E27FC236}">
-                <a16:creationId xmlns:a16="http://schemas.microsoft.com/office/drawing/2014/main" id="{4045E15B-26E2-4545-953A-F3704D0AF8F5}"/>
-              </a:ext>
-            </a:extLst>
-          </p:cNvPr>
+          <p:cNvPr id="6" name="Footer Placeholder 5"/>
           <p:cNvSpPr>
             <a:spLocks noGrp="1"/>
           </p:cNvSpPr>
@@ -3072,19 +2693,13 @@
           <a:bodyPr/>
           <a:lstStyle/>
           <a:p>
-            <a:endParaRPr lang="en-PK"/>
+            <a:endParaRPr lang="en-US"/>
           </a:p>
         </p:txBody>
       </p:sp>
       <p:sp>
         <p:nvSpPr>
-          <p:cNvPr id="7" name="Slide Number Placeholder 6">
-            <a:extLst>
-              <a:ext uri="{FF2B5EF4-FFF2-40B4-BE49-F238E27FC236}">
-                <a16:creationId xmlns:a16="http://schemas.microsoft.com/office/drawing/2014/main" id="{AB1FC69A-8CF4-484A-B0E6-626C32855A7C}"/>
-              </a:ext>
-            </a:extLst>
-          </p:cNvPr>
+          <p:cNvPr id="7" name="Slide Number Placeholder 6"/>
           <p:cNvSpPr>
             <a:spLocks noGrp="1"/>
           </p:cNvSpPr>
@@ -3098,19 +2713,13 @@
           <a:lstStyle/>
           <a:p>
             <a:fld id="{A875A68F-2A37-4ADE-AE8F-3D5E26D6A737}" type="slidenum">
-              <a:rPr lang="en-PK" smtClean="0"/>
-              <a:t>‹#›</a:t>
+              <a:rPr lang="en-US" smtClean="0"/>
             </a:fld>
-            <a:endParaRPr lang="en-PK"/>
+            <a:endParaRPr lang="en-US"/>
           </a:p>
         </p:txBody>
       </p:sp>
     </p:spTree>
-    <p:extLst>
-      <p:ext uri="{BB962C8B-B14F-4D97-AF65-F5344CB8AC3E}">
-        <p14:creationId xmlns:p14="http://schemas.microsoft.com/office/powerpoint/2010/main" val="1036265783"/>
-      </p:ext>
-    </p:extLst>
   </p:cSld>
   <p:clrMapOvr>
     <a:masterClrMapping/>
@@ -3142,13 +2751,7 @@
       </p:grpSpPr>
       <p:sp>
         <p:nvSpPr>
-          <p:cNvPr id="2" name="Title Placeholder 1">
-            <a:extLst>
-              <a:ext uri="{FF2B5EF4-FFF2-40B4-BE49-F238E27FC236}">
-                <a16:creationId xmlns:a16="http://schemas.microsoft.com/office/drawing/2014/main" id="{F9740CA6-FD52-40D8-98D5-150B4934FB07}"/>
-              </a:ext>
-            </a:extLst>
-          </p:cNvPr>
+          <p:cNvPr id="2" name="Title Placeholder 1"/>
           <p:cNvSpPr>
             <a:spLocks noGrp="1"/>
           </p:cNvSpPr>
@@ -3175,19 +2778,13 @@
               <a:rPr lang="en-US"/>
               <a:t>Click to edit Master title style</a:t>
             </a:r>
-            <a:endParaRPr lang="en-PK"/>
+            <a:endParaRPr lang="en-US"/>
           </a:p>
         </p:txBody>
       </p:sp>
       <p:sp>
         <p:nvSpPr>
-          <p:cNvPr id="3" name="Text Placeholder 2">
-            <a:extLst>
-              <a:ext uri="{FF2B5EF4-FFF2-40B4-BE49-F238E27FC236}">
-                <a16:creationId xmlns:a16="http://schemas.microsoft.com/office/drawing/2014/main" id="{D644A146-E2C8-440F-8BE5-1947E6DDD9B0}"/>
-              </a:ext>
-            </a:extLst>
-          </p:cNvPr>
+          <p:cNvPr id="3" name="Text Placeholder 2"/>
           <p:cNvSpPr>
             <a:spLocks noGrp="1"/>
           </p:cNvSpPr>
@@ -3215,6 +2812,7 @@
               <a:rPr lang="en-US"/>
               <a:t>Edit Master text styles</a:t>
             </a:r>
+            <a:endParaRPr lang="en-US"/>
           </a:p>
           <a:p>
             <a:pPr lvl="1"/>
@@ -3222,6 +2820,7 @@
               <a:rPr lang="en-US"/>
               <a:t>Second level</a:t>
             </a:r>
+            <a:endParaRPr lang="en-US"/>
           </a:p>
           <a:p>
             <a:pPr lvl="2"/>
@@ -3229,6 +2828,7 @@
               <a:rPr lang="en-US"/>
               <a:t>Third level</a:t>
             </a:r>
+            <a:endParaRPr lang="en-US"/>
           </a:p>
           <a:p>
             <a:pPr lvl="3"/>
@@ -3236,6 +2836,7 @@
               <a:rPr lang="en-US"/>
               <a:t>Fourth level</a:t>
             </a:r>
+            <a:endParaRPr lang="en-US"/>
           </a:p>
           <a:p>
             <a:pPr lvl="4"/>
@@ -3243,19 +2844,13 @@
               <a:rPr lang="en-US"/>
               <a:t>Fifth level</a:t>
             </a:r>
-            <a:endParaRPr lang="en-PK"/>
+            <a:endParaRPr lang="en-US"/>
           </a:p>
         </p:txBody>
       </p:sp>
       <p:sp>
         <p:nvSpPr>
-          <p:cNvPr id="4" name="Date Placeholder 3">
-            <a:extLst>
-              <a:ext uri="{FF2B5EF4-FFF2-40B4-BE49-F238E27FC236}">
-                <a16:creationId xmlns:a16="http://schemas.microsoft.com/office/drawing/2014/main" id="{B60B7361-00B9-4042-ACB2-8C52F47A0B54}"/>
-              </a:ext>
-            </a:extLst>
-          </p:cNvPr>
+          <p:cNvPr id="4" name="Date Placeholder 3"/>
           <p:cNvSpPr>
             <a:spLocks noGrp="1"/>
           </p:cNvSpPr>
@@ -3287,22 +2882,15 @@
           </a:lstStyle>
           <a:p>
             <a:fld id="{B786C7A1-9B12-40D9-891D-3010BC82B2B6}" type="datetimeFigureOut">
-              <a:rPr lang="en-PK" smtClean="0"/>
-              <a:t>08/07/2024</a:t>
+              <a:rPr lang="en-US" smtClean="0"/>
             </a:fld>
-            <a:endParaRPr lang="en-PK"/>
+            <a:endParaRPr lang="en-US"/>
           </a:p>
         </p:txBody>
       </p:sp>
       <p:sp>
         <p:nvSpPr>
-          <p:cNvPr id="5" name="Footer Placeholder 4">
-            <a:extLst>
-              <a:ext uri="{FF2B5EF4-FFF2-40B4-BE49-F238E27FC236}">
-                <a16:creationId xmlns:a16="http://schemas.microsoft.com/office/drawing/2014/main" id="{53F0722C-85EE-40D7-9330-4A215590AAE8}"/>
-              </a:ext>
-            </a:extLst>
-          </p:cNvPr>
+          <p:cNvPr id="5" name="Footer Placeholder 4"/>
           <p:cNvSpPr>
             <a:spLocks noGrp="1"/>
           </p:cNvSpPr>
@@ -3333,19 +2921,13 @@
             </a:lvl1pPr>
           </a:lstStyle>
           <a:p>
-            <a:endParaRPr lang="en-PK"/>
+            <a:endParaRPr lang="en-US"/>
           </a:p>
         </p:txBody>
       </p:sp>
       <p:sp>
         <p:nvSpPr>
-          <p:cNvPr id="6" name="Slide Number Placeholder 5">
-            <a:extLst>
-              <a:ext uri="{FF2B5EF4-FFF2-40B4-BE49-F238E27FC236}">
-                <a16:creationId xmlns:a16="http://schemas.microsoft.com/office/drawing/2014/main" id="{4485AAA0-5E7A-4CDF-B664-AA9BA437ADDA}"/>
-              </a:ext>
-            </a:extLst>
-          </p:cNvPr>
+          <p:cNvPr id="6" name="Slide Number Placeholder 5"/>
           <p:cNvSpPr>
             <a:spLocks noGrp="1"/>
           </p:cNvSpPr>
@@ -3377,19 +2959,13 @@
           </a:lstStyle>
           <a:p>
             <a:fld id="{A875A68F-2A37-4ADE-AE8F-3D5E26D6A737}" type="slidenum">
-              <a:rPr lang="en-PK" smtClean="0"/>
-              <a:t>‹#›</a:t>
+              <a:rPr lang="en-US" smtClean="0"/>
             </a:fld>
-            <a:endParaRPr lang="en-PK"/>
+            <a:endParaRPr lang="en-US"/>
           </a:p>
         </p:txBody>
       </p:sp>
     </p:spTree>
-    <p:extLst>
-      <p:ext uri="{BB962C8B-B14F-4D97-AF65-F5344CB8AC3E}">
-        <p14:creationId xmlns:p14="http://schemas.microsoft.com/office/powerpoint/2010/main" val="1428355443"/>
-      </p:ext>
-    </p:extLst>
   </p:cSld>
   <p:clrMap bg1="lt1" tx1="dk1" bg2="lt2" tx2="dk2" accent1="accent1" accent2="accent2" accent3="accent3" accent4="accent4" accent5="accent5" accent6="accent6" hlink="hlink" folHlink="folHlink"/>
   <p:sldLayoutIdLst>
@@ -3591,7 +3167,7 @@
     </p:bodyStyle>
     <p:otherStyle>
       <a:defPPr>
-        <a:defRPr lang="en-PK"/>
+        <a:defRPr lang="en-US"/>
       </a:defPPr>
       <a:lvl1pPr marL="0" algn="l" defTabSz="914400" rtl="0" eaLnBrk="1" latinLnBrk="0" hangingPunct="1">
         <a:defRPr sz="1800" kern="1200">
@@ -3707,13 +3283,7 @@
       </p:grpSpPr>
       <p:sp>
         <p:nvSpPr>
-          <p:cNvPr id="2" name="Title 1">
-            <a:extLst>
-              <a:ext uri="{FF2B5EF4-FFF2-40B4-BE49-F238E27FC236}">
-                <a16:creationId xmlns:a16="http://schemas.microsoft.com/office/drawing/2014/main" id="{765C5DED-74DD-46CD-A9BE-6994CB65D7A0}"/>
-              </a:ext>
-            </a:extLst>
-          </p:cNvPr>
+          <p:cNvPr id="2" name="Title 1"/>
           <p:cNvSpPr>
             <a:spLocks noGrp="1"/>
           </p:cNvSpPr>
@@ -3726,19 +3296,13 @@
           <a:bodyPr/>
           <a:lstStyle/>
           <a:p>
-            <a:endParaRPr lang="en-PK" dirty="0"/>
+            <a:endParaRPr lang="en-US" dirty="0"/>
           </a:p>
         </p:txBody>
       </p:sp>
       <p:sp>
         <p:nvSpPr>
-          <p:cNvPr id="3" name="Subtitle 2">
-            <a:extLst>
-              <a:ext uri="{FF2B5EF4-FFF2-40B4-BE49-F238E27FC236}">
-                <a16:creationId xmlns:a16="http://schemas.microsoft.com/office/drawing/2014/main" id="{6B1AF754-0C96-4F1D-A511-454AAE7AC22F}"/>
-              </a:ext>
-            </a:extLst>
-          </p:cNvPr>
+          <p:cNvPr id="3" name="Subtitle 2"/>
           <p:cNvSpPr>
             <a:spLocks noGrp="1"/>
           </p:cNvSpPr>
@@ -3751,19 +3315,13 @@
           <a:bodyPr/>
           <a:lstStyle/>
           <a:p>
-            <a:endParaRPr lang="en-PK"/>
+            <a:endParaRPr lang="en-US"/>
           </a:p>
         </p:txBody>
       </p:sp>
       <p:sp>
         <p:nvSpPr>
-          <p:cNvPr id="4" name="Rectangle 3">
-            <a:extLst>
-              <a:ext uri="{FF2B5EF4-FFF2-40B4-BE49-F238E27FC236}">
-                <a16:creationId xmlns:a16="http://schemas.microsoft.com/office/drawing/2014/main" id="{27887790-C778-4F28-84CC-244B9E512C77}"/>
-              </a:ext>
-            </a:extLst>
-          </p:cNvPr>
+          <p:cNvPr id="4" name="Rectangle 3"/>
           <p:cNvSpPr/>
           <p:nvPr/>
         </p:nvSpPr>
@@ -3811,13 +3369,7 @@
       </p:sp>
       <p:sp>
         <p:nvSpPr>
-          <p:cNvPr id="5" name="Rectangle 4">
-            <a:extLst>
-              <a:ext uri="{FF2B5EF4-FFF2-40B4-BE49-F238E27FC236}">
-                <a16:creationId xmlns:a16="http://schemas.microsoft.com/office/drawing/2014/main" id="{898A8252-FEF4-4BE5-B4CF-4D8F57463470}"/>
-              </a:ext>
-            </a:extLst>
-          </p:cNvPr>
+          <p:cNvPr id="5" name="Rectangle 4"/>
           <p:cNvSpPr/>
           <p:nvPr/>
         </p:nvSpPr>
@@ -3849,19 +3401,13 @@
           <a:lstStyle/>
           <a:p>
             <a:pPr algn="ctr"/>
-            <a:endParaRPr lang="en-PK"/>
+            <a:endParaRPr lang="en-US"/>
           </a:p>
         </p:txBody>
       </p:sp>
       <p:sp>
         <p:nvSpPr>
-          <p:cNvPr id="6" name="TextBox 5">
-            <a:extLst>
-              <a:ext uri="{FF2B5EF4-FFF2-40B4-BE49-F238E27FC236}">
-                <a16:creationId xmlns:a16="http://schemas.microsoft.com/office/drawing/2014/main" id="{504F350C-4851-4E0C-8CEC-34BC65198F3A}"/>
-              </a:ext>
-            </a:extLst>
-          </p:cNvPr>
+          <p:cNvPr id="6" name="TextBox 5"/>
           <p:cNvSpPr txBox="1"/>
           <p:nvPr/>
         </p:nvSpPr>
@@ -3888,7 +3434,7 @@
               </a:rPr>
               <a:t>LOGISTIC REGRESSION</a:t>
             </a:r>
-            <a:endParaRPr lang="en-PK" sz="4000" b="1" dirty="0">
+            <a:endParaRPr lang="en-US" sz="4000" b="1" dirty="0">
               <a:latin typeface="Times New Roman" panose="02020603050405020304" pitchFamily="18" charset="0"/>
               <a:cs typeface="Times New Roman" panose="02020603050405020304" pitchFamily="18" charset="0"/>
             </a:endParaRPr>
@@ -3897,13 +3443,7 @@
       </p:sp>
       <p:sp>
         <p:nvSpPr>
-          <p:cNvPr id="7" name="TextBox 6">
-            <a:extLst>
-              <a:ext uri="{FF2B5EF4-FFF2-40B4-BE49-F238E27FC236}">
-                <a16:creationId xmlns:a16="http://schemas.microsoft.com/office/drawing/2014/main" id="{DA4BC089-B69C-486F-884E-F32A5D385B49}"/>
-              </a:ext>
-            </a:extLst>
-          </p:cNvPr>
+          <p:cNvPr id="7" name="TextBox 6"/>
           <p:cNvSpPr txBox="1"/>
           <p:nvPr/>
         </p:nvSpPr>
@@ -3927,19 +3467,13 @@
               <a:rPr lang="en-US" sz="2800" dirty="0"/>
               <a:t>Dataset Utilized: Iris Flower Dataset</a:t>
             </a:r>
-            <a:endParaRPr lang="en-PK" dirty="0"/>
+            <a:endParaRPr lang="en-US" dirty="0"/>
           </a:p>
         </p:txBody>
       </p:sp>
       <p:sp>
         <p:nvSpPr>
-          <p:cNvPr id="8" name="TextBox 7">
-            <a:extLst>
-              <a:ext uri="{FF2B5EF4-FFF2-40B4-BE49-F238E27FC236}">
-                <a16:creationId xmlns:a16="http://schemas.microsoft.com/office/drawing/2014/main" id="{D69E327F-438A-4C5D-BBF2-2D56BC74DC4C}"/>
-              </a:ext>
-            </a:extLst>
-          </p:cNvPr>
+          <p:cNvPr id="8" name="TextBox 7"/>
           <p:cNvSpPr txBox="1"/>
           <p:nvPr/>
         </p:nvSpPr>
@@ -3963,22 +3497,18 @@
               <a:rPr lang="en-US" dirty="0"/>
               <a:t>Presented By:</a:t>
             </a:r>
+            <a:endParaRPr lang="en-US" dirty="0"/>
           </a:p>
           <a:p>
             <a:r>
               <a:rPr lang="en-US" dirty="0"/>
               <a:t>Malik Saad Ahmed</a:t>
             </a:r>
-            <a:endParaRPr lang="en-PK" dirty="0"/>
+            <a:endParaRPr lang="en-US" dirty="0"/>
           </a:p>
         </p:txBody>
       </p:sp>
     </p:spTree>
-    <p:extLst>
-      <p:ext uri="{BB962C8B-B14F-4D97-AF65-F5344CB8AC3E}">
-        <p14:creationId xmlns:p14="http://schemas.microsoft.com/office/powerpoint/2010/main" val="2618818045"/>
-      </p:ext>
-    </p:extLst>
   </p:cSld>
   <p:clrMapOvr>
     <a:masterClrMapping/>
@@ -4008,13 +3538,7 @@
       </p:grpSpPr>
       <p:sp>
         <p:nvSpPr>
-          <p:cNvPr id="4" name="TextBox 3">
-            <a:extLst>
-              <a:ext uri="{FF2B5EF4-FFF2-40B4-BE49-F238E27FC236}">
-                <a16:creationId xmlns:a16="http://schemas.microsoft.com/office/drawing/2014/main" id="{A8F27B9D-31D1-49B1-A0B0-5979350AAF0C}"/>
-              </a:ext>
-            </a:extLst>
-          </p:cNvPr>
+          <p:cNvPr id="4" name="TextBox 3"/>
           <p:cNvSpPr txBox="1"/>
           <p:nvPr/>
         </p:nvSpPr>
@@ -4046,6 +3570,15 @@
               </a:rPr>
               <a:t>Results</a:t>
             </a:r>
+            <a:endParaRPr lang="en-US" sz="3200" dirty="0">
+              <a:solidFill>
+                <a:schemeClr val="bg2">
+                  <a:lumMod val="25000"/>
+                </a:schemeClr>
+              </a:solidFill>
+              <a:latin typeface="Segoe UI Black" panose="020B0A02040204020203" pitchFamily="34" charset="0"/>
+              <a:ea typeface="Segoe UI Black" panose="020B0A02040204020203" pitchFamily="34" charset="0"/>
+            </a:endParaRPr>
           </a:p>
           <a:p>
             <a:r>
@@ -4113,6 +3646,10 @@
               </a:rPr>
               <a:t>The accuracy of the predicted values after inserting the X test set ranged from 89% to 92%.</a:t>
             </a:r>
+            <a:endParaRPr lang="en-US" sz="2400" dirty="0">
+              <a:latin typeface="Gill Sans MT" panose="020B0502020104020203" pitchFamily="34" charset="0"/>
+              <a:ea typeface="Segoe UI Black" panose="020B0A02040204020203" pitchFamily="34" charset="0"/>
+            </a:endParaRPr>
           </a:p>
           <a:p>
             <a:r>
@@ -4142,9 +3679,12 @@
               </a:rPr>
               <a:t>Iris-versicolor</a:t>
             </a:r>
-          </a:p>
-          <a:p>
-            <a:endParaRPr lang="en-PK" sz="3200" dirty="0">
+            <a:endParaRPr lang="en-US" sz="2400" dirty="0">
+              <a:latin typeface="Gill Sans MT" panose="020B0502020104020203" pitchFamily="34" charset="0"/>
+            </a:endParaRPr>
+          </a:p>
+          <a:p>
+            <a:endParaRPr lang="en-US" sz="3200" dirty="0">
               <a:latin typeface="Gill Sans MT" panose="020B0502020104020203" pitchFamily="34" charset="0"/>
               <a:ea typeface="Segoe UI Black" panose="020B0A02040204020203" pitchFamily="34" charset="0"/>
             </a:endParaRPr>
@@ -4153,13 +3693,7 @@
       </p:sp>
       <p:sp>
         <p:nvSpPr>
-          <p:cNvPr id="5" name="Rectangle 4">
-            <a:extLst>
-              <a:ext uri="{FF2B5EF4-FFF2-40B4-BE49-F238E27FC236}">
-                <a16:creationId xmlns:a16="http://schemas.microsoft.com/office/drawing/2014/main" id="{CD08E184-7074-484A-B5FA-516AAA546D9A}"/>
-              </a:ext>
-            </a:extLst>
-          </p:cNvPr>
+          <p:cNvPr id="5" name="Rectangle 4"/>
           <p:cNvSpPr/>
           <p:nvPr/>
         </p:nvSpPr>
@@ -4172,7 +3706,7 @@
             <a:avLst/>
           </a:prstGeom>
           <a:blipFill dpi="0" rotWithShape="1">
-            <a:blip r:embed="rId2">
+            <a:blip r:embed="rId1">
               <a:extLst>
                 <a:ext uri="{28A0092B-C50C-407E-A947-70E740481C1C}">
                   <a14:useLocalDpi xmlns:a14="http://schemas.microsoft.com/office/drawing/2010/main" val="0"/>
@@ -4206,16 +3740,11 @@
           <a:lstStyle/>
           <a:p>
             <a:pPr algn="ctr"/>
-            <a:endParaRPr lang="en-PK"/>
+            <a:endParaRPr lang="en-US"/>
           </a:p>
         </p:txBody>
       </p:sp>
     </p:spTree>
-    <p:extLst>
-      <p:ext uri="{BB962C8B-B14F-4D97-AF65-F5344CB8AC3E}">
-        <p14:creationId xmlns:p14="http://schemas.microsoft.com/office/powerpoint/2010/main" val="4070664857"/>
-      </p:ext>
-    </p:extLst>
   </p:cSld>
   <p:clrMapOvr>
     <a:masterClrMapping/>
@@ -4465,13 +3994,7 @@
       </p:grpSpPr>
       <p:sp>
         <p:nvSpPr>
-          <p:cNvPr id="5" name="Rectangle 4">
-            <a:extLst>
-              <a:ext uri="{FF2B5EF4-FFF2-40B4-BE49-F238E27FC236}">
-                <a16:creationId xmlns:a16="http://schemas.microsoft.com/office/drawing/2014/main" id="{9E9525A8-F918-47DE-BD4A-A8965C8FE49B}"/>
-              </a:ext>
-            </a:extLst>
-          </p:cNvPr>
+          <p:cNvPr id="5" name="Rectangle 4"/>
           <p:cNvSpPr/>
           <p:nvPr/>
         </p:nvSpPr>
@@ -4519,13 +4042,7 @@
       </p:sp>
       <p:sp>
         <p:nvSpPr>
-          <p:cNvPr id="6" name="Rectangle 5">
-            <a:extLst>
-              <a:ext uri="{FF2B5EF4-FFF2-40B4-BE49-F238E27FC236}">
-                <a16:creationId xmlns:a16="http://schemas.microsoft.com/office/drawing/2014/main" id="{6DF7776D-4C41-44C1-B612-E33F3D26BBB5}"/>
-              </a:ext>
-            </a:extLst>
-          </p:cNvPr>
+          <p:cNvPr id="6" name="Rectangle 5"/>
           <p:cNvSpPr/>
           <p:nvPr/>
         </p:nvSpPr>
@@ -4562,19 +4079,13 @@
           <a:lstStyle/>
           <a:p>
             <a:pPr algn="ctr"/>
-            <a:endParaRPr lang="en-PK"/>
+            <a:endParaRPr lang="en-US"/>
           </a:p>
         </p:txBody>
       </p:sp>
       <p:sp>
         <p:nvSpPr>
-          <p:cNvPr id="7" name="Rectangle 6">
-            <a:extLst>
-              <a:ext uri="{FF2B5EF4-FFF2-40B4-BE49-F238E27FC236}">
-                <a16:creationId xmlns:a16="http://schemas.microsoft.com/office/drawing/2014/main" id="{40798CEB-D75C-4365-8E9D-8B6465F4DA2A}"/>
-              </a:ext>
-            </a:extLst>
-          </p:cNvPr>
+          <p:cNvPr id="7" name="Rectangle 6"/>
           <p:cNvSpPr/>
           <p:nvPr/>
         </p:nvSpPr>
@@ -4587,7 +4098,7 @@
             <a:avLst/>
           </a:prstGeom>
           <a:blipFill dpi="0" rotWithShape="1">
-            <a:blip r:embed="rId2"/>
+            <a:blip r:embed="rId1"/>
             <a:srcRect/>
             <a:stretch>
               <a:fillRect/>
@@ -4622,11 +4133,6 @@
         </p:txBody>
       </p:sp>
     </p:spTree>
-    <p:extLst>
-      <p:ext uri="{BB962C8B-B14F-4D97-AF65-F5344CB8AC3E}">
-        <p14:creationId xmlns:p14="http://schemas.microsoft.com/office/powerpoint/2010/main" val="2396055435"/>
-      </p:ext>
-    </p:extLst>
   </p:cSld>
   <p:clrMapOvr>
     <a:masterClrMapping/>
@@ -4656,13 +4162,7 @@
       </p:grpSpPr>
       <p:sp>
         <p:nvSpPr>
-          <p:cNvPr id="4" name="TextBox 3">
-            <a:extLst>
-              <a:ext uri="{FF2B5EF4-FFF2-40B4-BE49-F238E27FC236}">
-                <a16:creationId xmlns:a16="http://schemas.microsoft.com/office/drawing/2014/main" id="{D5E43DA8-D885-4843-A068-C101B5DA2F6A}"/>
-              </a:ext>
-            </a:extLst>
-          </p:cNvPr>
+          <p:cNvPr id="4" name="TextBox 3"/>
           <p:cNvSpPr txBox="1"/>
           <p:nvPr/>
         </p:nvSpPr>
@@ -4703,6 +4203,10 @@
               </a:rPr>
               <a:t>:</a:t>
             </a:r>
+            <a:endParaRPr lang="en-US" sz="3200" dirty="0">
+              <a:latin typeface="Segoe UI Black" panose="020B0A02040204020203" pitchFamily="34" charset="0"/>
+              <a:ea typeface="Segoe UI Black" panose="020B0A02040204020203" pitchFamily="34" charset="0"/>
+            </a:endParaRPr>
           </a:p>
           <a:p>
             <a:r>
@@ -4712,6 +4216,10 @@
               </a:rPr>
               <a:t>         A classification technique in Supervised Learning that performs binary        </a:t>
             </a:r>
+            <a:endParaRPr lang="en-US" sz="2800" dirty="0">
+              <a:latin typeface="Gill Sans MT" panose="020B0502020104020203" pitchFamily="34" charset="0"/>
+              <a:ea typeface="Segoe UI Black" panose="020B0A02040204020203" pitchFamily="34" charset="0"/>
+            </a:endParaRPr>
           </a:p>
           <a:p>
             <a:r>
@@ -4721,6 +4229,10 @@
               </a:rPr>
               <a:t>        classification tasks by predicting probability of the outcomes and limits </a:t>
             </a:r>
+            <a:endParaRPr lang="en-US" sz="2800" dirty="0">
+              <a:latin typeface="Gill Sans MT" panose="020B0502020104020203" pitchFamily="34" charset="0"/>
+              <a:ea typeface="Segoe UI Black" panose="020B0A02040204020203" pitchFamily="34" charset="0"/>
+            </a:endParaRPr>
           </a:p>
           <a:p>
             <a:r>
@@ -4730,18 +4242,16 @@
               </a:rPr>
               <a:t>        the output to two states 1 or 0</a:t>
             </a:r>
+            <a:endParaRPr lang="en-US" sz="2800" dirty="0">
+              <a:latin typeface="Gill Sans MT" panose="020B0502020104020203" pitchFamily="34" charset="0"/>
+              <a:ea typeface="Segoe UI Black" panose="020B0A02040204020203" pitchFamily="34" charset="0"/>
+            </a:endParaRPr>
           </a:p>
         </p:txBody>
       </p:sp>
       <p:sp>
         <p:nvSpPr>
-          <p:cNvPr id="6" name="Rectangle 5">
-            <a:extLst>
-              <a:ext uri="{FF2B5EF4-FFF2-40B4-BE49-F238E27FC236}">
-                <a16:creationId xmlns:a16="http://schemas.microsoft.com/office/drawing/2014/main" id="{AD7B06B0-796B-4CA6-AE60-A111E4383AFF}"/>
-              </a:ext>
-            </a:extLst>
-          </p:cNvPr>
+          <p:cNvPr id="6" name="Rectangle 5"/>
           <p:cNvSpPr/>
           <p:nvPr/>
         </p:nvSpPr>
@@ -4754,7 +4264,7 @@
             <a:avLst/>
           </a:prstGeom>
           <a:blipFill dpi="0" rotWithShape="1">
-            <a:blip r:embed="rId2">
+            <a:blip r:embed="rId1">
               <a:extLst>
                 <a:ext uri="{28A0092B-C50C-407E-A947-70E740481C1C}">
                   <a14:useLocalDpi xmlns:a14="http://schemas.microsoft.com/office/drawing/2010/main" val="0"/>
@@ -4789,16 +4299,11 @@
           <a:lstStyle/>
           <a:p>
             <a:pPr algn="ctr"/>
-            <a:endParaRPr lang="en-PK" dirty="0"/>
+            <a:endParaRPr lang="en-US" dirty="0"/>
           </a:p>
         </p:txBody>
       </p:sp>
     </p:spTree>
-    <p:extLst>
-      <p:ext uri="{BB962C8B-B14F-4D97-AF65-F5344CB8AC3E}">
-        <p14:creationId xmlns:p14="http://schemas.microsoft.com/office/powerpoint/2010/main" val="3221141186"/>
-      </p:ext>
-    </p:extLst>
   </p:cSld>
   <p:clrMapOvr>
     <a:masterClrMapping/>
@@ -5320,13 +4825,7 @@
       </p:grpSpPr>
       <p:sp>
         <p:nvSpPr>
-          <p:cNvPr id="4" name="TextBox 3">
-            <a:extLst>
-              <a:ext uri="{FF2B5EF4-FFF2-40B4-BE49-F238E27FC236}">
-                <a16:creationId xmlns:a16="http://schemas.microsoft.com/office/drawing/2014/main" id="{72BCC0DA-9D8A-4669-93DB-6109DD858D55}"/>
-              </a:ext>
-            </a:extLst>
-          </p:cNvPr>
+          <p:cNvPr id="4" name="TextBox 3"/>
           <p:cNvSpPr txBox="1"/>
           <p:nvPr/>
         </p:nvSpPr>
@@ -5358,6 +4857,15 @@
               </a:rPr>
               <a:t>Sigmoid Function:</a:t>
             </a:r>
+            <a:endParaRPr lang="en-US" sz="3200" dirty="0">
+              <a:solidFill>
+                <a:schemeClr val="bg2">
+                  <a:lumMod val="25000"/>
+                </a:schemeClr>
+              </a:solidFill>
+              <a:latin typeface="Segoe UI Black" panose="020B0A02040204020203" pitchFamily="34" charset="0"/>
+              <a:ea typeface="Segoe UI Black" panose="020B0A02040204020203" pitchFamily="34" charset="0"/>
+            </a:endParaRPr>
           </a:p>
           <a:p>
             <a:r>
@@ -5374,130 +4882,138 @@
               </a:rPr>
               <a:t> The logistic regression classifies the input into two states using the logit function/sigmoid function as follows</a:t>
             </a:r>
-          </a:p>
-          <a:p>
-            <a:r>
-              <a:rPr lang="en-US" sz="2800" dirty="0">
-                <a:latin typeface="Gill Sans MT" panose="020B0502020104020203" pitchFamily="34" charset="0"/>
-                <a:ea typeface="Segoe UI Black" panose="020B0A02040204020203" pitchFamily="34" charset="0"/>
-              </a:rPr>
-              <a:t>                                   Probability=1/1+</a:t>
-            </a:r>
-            <a:r>
-              <a:rPr lang="en-US" sz="3200" dirty="0">
-                <a:latin typeface="Gill Sans MT" panose="020B0502020104020203" pitchFamily="34" charset="0"/>
-              </a:rPr>
-              <a:t>e</a:t>
-            </a:r>
-            <a:r>
-              <a:rPr lang="en-US" sz="3200" baseline="30000" dirty="0">
-                <a:latin typeface="Gill Sans MT" panose="020B0502020104020203" pitchFamily="34" charset="0"/>
-              </a:rPr>
-              <a:t>-y</a:t>
-            </a:r>
-            <a:endParaRPr lang="en-US" sz="2800" dirty="0">
-              <a:latin typeface="Gill Sans MT" panose="020B0502020104020203" pitchFamily="34" charset="0"/>
-            </a:endParaRPr>
-          </a:p>
-          <a:p>
-            <a:r>
-              <a:rPr lang="en-US" sz="2800" dirty="0">
-                <a:latin typeface="Gill Sans MT" panose="020B0502020104020203" pitchFamily="34" charset="0"/>
-              </a:rPr>
-              <a:t>       Logistic Regression algorithm helps us to classify these observations into two or more discrete classes.</a:t>
-            </a:r>
-          </a:p>
-          <a:p>
-            <a:endParaRPr lang="en-US" sz="2800" dirty="0">
-              <a:latin typeface="Gill Sans MT" panose="020B0502020104020203" pitchFamily="34" charset="0"/>
-            </a:endParaRPr>
-          </a:p>
-          <a:p>
-            <a:r>
-              <a:rPr lang="en-US" sz="3200" dirty="0">
-                <a:latin typeface="Segoe UI Black" panose="020B0A02040204020203" pitchFamily="34" charset="0"/>
-                <a:ea typeface="Segoe UI Black" panose="020B0A02040204020203" pitchFamily="34" charset="0"/>
-              </a:rPr>
-              <a:t> Decision Boundary:</a:t>
-            </a:r>
-            <a:endParaRPr lang="en-PK" sz="2800" dirty="0">
-              <a:latin typeface="Gill Sans MT" panose="020B0502020104020203" pitchFamily="34" charset="0"/>
-            </a:endParaRPr>
-          </a:p>
-          <a:p>
-            <a:r>
-              <a:rPr lang="en-US" sz="2800" dirty="0">
-                <a:latin typeface="Gill Sans MT" panose="020B0502020104020203" pitchFamily="34" charset="0"/>
-                <a:ea typeface="Segoe UI Black" panose="020B0A02040204020203" pitchFamily="34" charset="0"/>
-              </a:rPr>
-              <a:t>        The outcome of this formula is always between 0 and 1.Probability more than 0.5 means the outcome will occur.</a:t>
-            </a:r>
-            <a:r>
-              <a:rPr lang="en-US" sz="2800" dirty="0">
-                <a:latin typeface="Gill Sans MT" panose="020B0502020104020203" pitchFamily="34" charset="0"/>
-              </a:rPr>
-              <a:t> </a:t>
-            </a:r>
-            <a:endParaRPr lang="en-US" sz="3600" dirty="0">
-              <a:latin typeface="Gill Sans MT" panose="020B0502020104020203" pitchFamily="34" charset="0"/>
-            </a:endParaRPr>
-          </a:p>
-          <a:p>
-            <a:pPr fontAlgn="base"/>
-            <a:r>
-              <a:rPr lang="en-US" sz="2400" dirty="0">
-                <a:latin typeface="Gill Sans MT" panose="020B0502020104020203" pitchFamily="34" charset="0"/>
-              </a:rPr>
-              <a:t>                                               p ≥ 0.5 =&gt; class = 1</a:t>
-            </a:r>
-          </a:p>
-          <a:p>
-            <a:pPr fontAlgn="base"/>
-            <a:r>
-              <a:rPr lang="en-US" sz="2400" dirty="0">
-                <a:latin typeface="Gill Sans MT" panose="020B0502020104020203" pitchFamily="34" charset="0"/>
-              </a:rPr>
-              <a:t>                                               p &lt; 0.5 =&gt; class = 0</a:t>
-            </a:r>
-          </a:p>
-          <a:p>
-            <a:endParaRPr lang="en-US" sz="2800" dirty="0">
-              <a:latin typeface="Gill Sans MT" panose="020B0502020104020203" pitchFamily="34" charset="0"/>
-            </a:endParaRPr>
-          </a:p>
-          <a:p>
             <a:endParaRPr lang="en-US" sz="2800" dirty="0">
               <a:latin typeface="Gill Sans MT" panose="020B0502020104020203" pitchFamily="34" charset="0"/>
               <a:ea typeface="Segoe UI Black" panose="020B0A02040204020203" pitchFamily="34" charset="0"/>
             </a:endParaRPr>
           </a:p>
           <a:p>
+            <a:r>
+              <a:rPr lang="en-US" sz="2800" dirty="0">
+                <a:latin typeface="Gill Sans MT" panose="020B0502020104020203" pitchFamily="34" charset="0"/>
+                <a:ea typeface="Segoe UI Black" panose="020B0A02040204020203" pitchFamily="34" charset="0"/>
+              </a:rPr>
+              <a:t>                                   Probability=1/1+</a:t>
+            </a:r>
+            <a:r>
+              <a:rPr lang="en-US" sz="3200" dirty="0">
+                <a:latin typeface="Gill Sans MT" panose="020B0502020104020203" pitchFamily="34" charset="0"/>
+              </a:rPr>
+              <a:t>e</a:t>
+            </a:r>
+            <a:r>
+              <a:rPr lang="en-US" sz="3200" baseline="30000" dirty="0">
+                <a:latin typeface="Gill Sans MT" panose="020B0502020104020203" pitchFamily="34" charset="0"/>
+              </a:rPr>
+              <a:t>-y</a:t>
+            </a:r>
+            <a:endParaRPr lang="en-US" sz="2800" dirty="0">
+              <a:latin typeface="Gill Sans MT" panose="020B0502020104020203" pitchFamily="34" charset="0"/>
+            </a:endParaRPr>
+          </a:p>
+          <a:p>
+            <a:r>
+              <a:rPr lang="en-US" sz="2800" dirty="0">
+                <a:latin typeface="Gill Sans MT" panose="020B0502020104020203" pitchFamily="34" charset="0"/>
+              </a:rPr>
+              <a:t>       Logistic Regression algorithm helps us to classify these observations into two or more discrete classes.</a:t>
+            </a:r>
+            <a:endParaRPr lang="en-US" sz="2800" dirty="0">
+              <a:latin typeface="Gill Sans MT" panose="020B0502020104020203" pitchFamily="34" charset="0"/>
+            </a:endParaRPr>
+          </a:p>
+          <a:p>
+            <a:endParaRPr lang="en-US" sz="2800" dirty="0">
+              <a:latin typeface="Gill Sans MT" panose="020B0502020104020203" pitchFamily="34" charset="0"/>
+            </a:endParaRPr>
+          </a:p>
+          <a:p>
+            <a:r>
+              <a:rPr lang="en-US" sz="3200" dirty="0">
+                <a:latin typeface="Segoe UI Black" panose="020B0A02040204020203" pitchFamily="34" charset="0"/>
+                <a:ea typeface="Segoe UI Black" panose="020B0A02040204020203" pitchFamily="34" charset="0"/>
+              </a:rPr>
+              <a:t> Decision Boundary:</a:t>
+            </a:r>
+            <a:endParaRPr lang="en-US" sz="2800" dirty="0">
+              <a:latin typeface="Gill Sans MT" panose="020B0502020104020203" pitchFamily="34" charset="0"/>
+            </a:endParaRPr>
+          </a:p>
+          <a:p>
+            <a:r>
+              <a:rPr lang="en-US" sz="2800" dirty="0">
+                <a:latin typeface="Gill Sans MT" panose="020B0502020104020203" pitchFamily="34" charset="0"/>
+                <a:ea typeface="Segoe UI Black" panose="020B0A02040204020203" pitchFamily="34" charset="0"/>
+              </a:rPr>
+              <a:t>        The outcome of this formula is always between 0 and 1.Probability more than 0.5 means the outcome will occur.</a:t>
+            </a:r>
+            <a:r>
+              <a:rPr lang="en-US" sz="2800" dirty="0">
+                <a:latin typeface="Gill Sans MT" panose="020B0502020104020203" pitchFamily="34" charset="0"/>
+              </a:rPr>
+              <a:t> </a:t>
+            </a:r>
+            <a:endParaRPr lang="en-US" sz="3600" dirty="0">
+              <a:latin typeface="Gill Sans MT" panose="020B0502020104020203" pitchFamily="34" charset="0"/>
+            </a:endParaRPr>
+          </a:p>
+          <a:p>
+            <a:pPr fontAlgn="base"/>
+            <a:r>
+              <a:rPr lang="en-US" sz="2400" dirty="0">
+                <a:latin typeface="Gill Sans MT" panose="020B0502020104020203" pitchFamily="34" charset="0"/>
+              </a:rPr>
+              <a:t>                                               p ≥ 0.5 =&gt; class = 1</a:t>
+            </a:r>
+            <a:endParaRPr lang="en-US" sz="2400" dirty="0">
+              <a:latin typeface="Gill Sans MT" panose="020B0502020104020203" pitchFamily="34" charset="0"/>
+            </a:endParaRPr>
+          </a:p>
+          <a:p>
+            <a:pPr fontAlgn="base"/>
+            <a:r>
+              <a:rPr lang="en-US" sz="2400" dirty="0">
+                <a:latin typeface="Gill Sans MT" panose="020B0502020104020203" pitchFamily="34" charset="0"/>
+              </a:rPr>
+              <a:t>                                               p &lt; 0.5 =&gt; class = 0</a:t>
+            </a:r>
+            <a:endParaRPr lang="en-US" sz="2400" dirty="0">
+              <a:latin typeface="Gill Sans MT" panose="020B0502020104020203" pitchFamily="34" charset="0"/>
+            </a:endParaRPr>
+          </a:p>
+          <a:p>
+            <a:endParaRPr lang="en-US" sz="2800" dirty="0">
+              <a:latin typeface="Gill Sans MT" panose="020B0502020104020203" pitchFamily="34" charset="0"/>
+            </a:endParaRPr>
+          </a:p>
+          <a:p>
             <a:endParaRPr lang="en-US" sz="2800" dirty="0">
               <a:latin typeface="Gill Sans MT" panose="020B0502020104020203" pitchFamily="34" charset="0"/>
               <a:ea typeface="Segoe UI Black" panose="020B0A02040204020203" pitchFamily="34" charset="0"/>
             </a:endParaRPr>
           </a:p>
           <a:p>
-            <a:r>
-              <a:rPr lang="en-US" sz="2800" dirty="0">
-                <a:latin typeface="Gill Sans MT" panose="020B0502020104020203" pitchFamily="34" charset="0"/>
-                <a:ea typeface="Segoe UI Black" panose="020B0A02040204020203" pitchFamily="34" charset="0"/>
-              </a:rPr>
-              <a:t>      </a:t>
-            </a:r>
-            <a:endParaRPr lang="en-PK" sz="2800" dirty="0">
+            <a:endParaRPr lang="en-US" sz="2800" dirty="0">
               <a:latin typeface="Gill Sans MT" panose="020B0502020104020203" pitchFamily="34" charset="0"/>
               <a:ea typeface="Segoe UI Black" panose="020B0A02040204020203" pitchFamily="34" charset="0"/>
             </a:endParaRPr>
           </a:p>
+          <a:p>
+            <a:r>
+              <a:rPr lang="en-US" sz="2800" dirty="0">
+                <a:latin typeface="Gill Sans MT" panose="020B0502020104020203" pitchFamily="34" charset="0"/>
+                <a:ea typeface="Segoe UI Black" panose="020B0A02040204020203" pitchFamily="34" charset="0"/>
+              </a:rPr>
+              <a:t>      </a:t>
+            </a:r>
+            <a:endParaRPr lang="en-US" sz="2800" dirty="0">
+              <a:latin typeface="Gill Sans MT" panose="020B0502020104020203" pitchFamily="34" charset="0"/>
+              <a:ea typeface="Segoe UI Black" panose="020B0A02040204020203" pitchFamily="34" charset="0"/>
+            </a:endParaRPr>
+          </a:p>
         </p:txBody>
       </p:sp>
     </p:spTree>
-    <p:extLst>
-      <p:ext uri="{BB962C8B-B14F-4D97-AF65-F5344CB8AC3E}">
-        <p14:creationId xmlns:p14="http://schemas.microsoft.com/office/powerpoint/2010/main" val="2781734132"/>
-      </p:ext>
-    </p:extLst>
   </p:cSld>
   <p:clrMapOvr>
     <a:masterClrMapping/>
@@ -5937,13 +5453,7 @@
       </p:grpSpPr>
       <p:sp>
         <p:nvSpPr>
-          <p:cNvPr id="4" name="Rectangle 3">
-            <a:extLst>
-              <a:ext uri="{FF2B5EF4-FFF2-40B4-BE49-F238E27FC236}">
-                <a16:creationId xmlns:a16="http://schemas.microsoft.com/office/drawing/2014/main" id="{A9709395-5FF0-4025-A775-15A4482F75C7}"/>
-              </a:ext>
-            </a:extLst>
-          </p:cNvPr>
+          <p:cNvPr id="4" name="Rectangle 3"/>
           <p:cNvSpPr/>
           <p:nvPr/>
         </p:nvSpPr>
@@ -5956,7 +5466,7 @@
             <a:avLst/>
           </a:prstGeom>
           <a:blipFill dpi="0" rotWithShape="1">
-            <a:blip r:embed="rId2">
+            <a:blip r:embed="rId1">
               <a:extLst>
                 <a:ext uri="{28A0092B-C50C-407E-A947-70E740481C1C}">
                   <a14:useLocalDpi xmlns:a14="http://schemas.microsoft.com/office/drawing/2010/main" val="0"/>
@@ -5990,16 +5500,11 @@
           <a:lstStyle/>
           <a:p>
             <a:pPr algn="ctr"/>
-            <a:endParaRPr lang="en-PK" dirty="0"/>
+            <a:endParaRPr lang="en-US" dirty="0"/>
           </a:p>
         </p:txBody>
       </p:sp>
     </p:spTree>
-    <p:extLst>
-      <p:ext uri="{BB962C8B-B14F-4D97-AF65-F5344CB8AC3E}">
-        <p14:creationId xmlns:p14="http://schemas.microsoft.com/office/powerpoint/2010/main" val="637941078"/>
-      </p:ext>
-    </p:extLst>
   </p:cSld>
   <p:clrMapOvr>
     <a:masterClrMapping/>
@@ -6115,13 +5620,7 @@
       </p:grpSpPr>
       <p:sp>
         <p:nvSpPr>
-          <p:cNvPr id="4" name="TextBox 3">
-            <a:extLst>
-              <a:ext uri="{FF2B5EF4-FFF2-40B4-BE49-F238E27FC236}">
-                <a16:creationId xmlns:a16="http://schemas.microsoft.com/office/drawing/2014/main" id="{80A05E18-9BAC-4406-8012-58D1E911080C}"/>
-              </a:ext>
-            </a:extLst>
-          </p:cNvPr>
+          <p:cNvPr id="4" name="TextBox 3"/>
           <p:cNvSpPr txBox="1"/>
           <p:nvPr/>
         </p:nvSpPr>
@@ -6155,6 +5654,10 @@
               </a:rPr>
               <a:t> </a:t>
             </a:r>
+            <a:endParaRPr lang="en-US" sz="2800" dirty="0">
+              <a:latin typeface="Gill Sans MT" panose="020B0502020104020203" pitchFamily="34" charset="0"/>
+              <a:ea typeface="Segoe UI Black" panose="020B0A02040204020203" pitchFamily="34" charset="0"/>
+            </a:endParaRPr>
           </a:p>
           <a:p>
             <a:r>
@@ -6178,6 +5681,10 @@
               </a:rPr>
               <a:t> 150 observed samples of Iris flowers. There are measured samples of length, width of sepals and petals</a:t>
             </a:r>
+            <a:endParaRPr lang="en-US" sz="2800" dirty="0">
+              <a:latin typeface="Gill Sans MT" panose="020B0502020104020203" pitchFamily="34" charset="0"/>
+              <a:ea typeface="Segoe UI Black" panose="020B0A02040204020203" pitchFamily="34" charset="0"/>
+            </a:endParaRPr>
           </a:p>
           <a:p>
             <a:r>
@@ -6187,6 +5694,10 @@
               </a:rPr>
               <a:t>of 3 types of Iris flowers.  </a:t>
             </a:r>
+            <a:endParaRPr lang="en-US" sz="2800" dirty="0">
+              <a:latin typeface="Gill Sans MT" panose="020B0502020104020203" pitchFamily="34" charset="0"/>
+              <a:ea typeface="Segoe UI Black" panose="020B0A02040204020203" pitchFamily="34" charset="0"/>
+            </a:endParaRPr>
           </a:p>
           <a:p>
             <a:endParaRPr lang="en-US" sz="3200" dirty="0">
@@ -6202,6 +5713,10 @@
               </a:rPr>
               <a:t>Libraries Used</a:t>
             </a:r>
+            <a:endParaRPr lang="en-US" sz="3200" dirty="0">
+              <a:latin typeface="Segoe UI Black" panose="020B0A02040204020203" pitchFamily="34" charset="0"/>
+              <a:ea typeface="Segoe UI Black" panose="020B0A02040204020203" pitchFamily="34" charset="0"/>
+            </a:endParaRPr>
           </a:p>
           <a:p>
             <a:r>
@@ -6225,35 +5740,6 @@
               </a:rPr>
               <a:t> :    Python Library for Mathematical Operations</a:t>
             </a:r>
-          </a:p>
-          <a:p>
-            <a:r>
-              <a:rPr lang="en-US" sz="2800" dirty="0">
-                <a:latin typeface="Gill Sans MT" panose="020B0502020104020203" pitchFamily="34" charset="0"/>
-                <a:ea typeface="Segoe UI Black" panose="020B0A02040204020203" pitchFamily="34" charset="0"/>
-              </a:rPr>
-              <a:t>      Pandas:      Library for working with data analysis and manipulation</a:t>
-            </a:r>
-          </a:p>
-          <a:p>
-            <a:r>
-              <a:rPr lang="en-US" sz="2800" dirty="0">
-                <a:latin typeface="Gill Sans MT" panose="020B0502020104020203" pitchFamily="34" charset="0"/>
-                <a:ea typeface="Segoe UI Black" panose="020B0A02040204020203" pitchFamily="34" charset="0"/>
-              </a:rPr>
-              <a:t>      Matplotlib: Basic Data Visualization Library for making graphs</a:t>
-            </a:r>
-          </a:p>
-          <a:p>
-            <a:r>
-              <a:rPr lang="en-US" sz="2800" dirty="0">
-                <a:latin typeface="Gill Sans MT" panose="020B0502020104020203" pitchFamily="34" charset="0"/>
-                <a:ea typeface="Segoe UI Black" panose="020B0A02040204020203" pitchFamily="34" charset="0"/>
-              </a:rPr>
-              <a:t>      Seaborn:    Advanced Data Visualization Library built on top of Matplotlib</a:t>
-            </a:r>
-          </a:p>
-          <a:p>
             <a:endParaRPr lang="en-US" sz="2800" dirty="0">
               <a:latin typeface="Gill Sans MT" panose="020B0502020104020203" pitchFamily="34" charset="0"/>
               <a:ea typeface="Segoe UI Black" panose="020B0A02040204020203" pitchFamily="34" charset="0"/>
@@ -6261,53 +5747,12 @@
           </a:p>
           <a:p>
             <a:r>
-              <a:rPr lang="en-US" sz="3200" dirty="0">
-                <a:latin typeface="Segoe UI Black" panose="020B0A02040204020203" pitchFamily="34" charset="0"/>
+              <a:rPr lang="en-US" sz="2800" dirty="0">
+                <a:latin typeface="Gill Sans MT" panose="020B0502020104020203" pitchFamily="34" charset="0"/>
                 <a:ea typeface="Segoe UI Black" panose="020B0A02040204020203" pitchFamily="34" charset="0"/>
               </a:rPr>
-              <a:t>Data Structures</a:t>
-            </a:r>
-          </a:p>
-          <a:p>
-            <a:r>
-              <a:rPr lang="en-US" sz="3200" dirty="0">
-                <a:latin typeface="Segoe UI Black" panose="020B0A02040204020203" pitchFamily="34" charset="0"/>
-                <a:ea typeface="Segoe UI Black" panose="020B0A02040204020203" pitchFamily="34" charset="0"/>
-              </a:rPr>
-              <a:t>     </a:t>
-            </a:r>
-            <a:r>
-              <a:rPr lang="en-US" sz="2800" dirty="0">
-                <a:latin typeface="Gill Sans MT" panose="020B0502020104020203" pitchFamily="34" charset="0"/>
-                <a:ea typeface="Segoe UI Black" panose="020B0A02040204020203" pitchFamily="34" charset="0"/>
-              </a:rPr>
-              <a:t>Pandas </a:t>
-            </a:r>
-            <a:r>
-              <a:rPr lang="en-US" sz="2800" dirty="0" err="1">
-                <a:latin typeface="Gill Sans MT" panose="020B0502020104020203" pitchFamily="34" charset="0"/>
-                <a:ea typeface="Segoe UI Black" panose="020B0A02040204020203" pitchFamily="34" charset="0"/>
-              </a:rPr>
-              <a:t>DataFrame</a:t>
-            </a:r>
-            <a:r>
-              <a:rPr lang="en-US" sz="2800" dirty="0">
-                <a:latin typeface="Gill Sans MT" panose="020B0502020104020203" pitchFamily="34" charset="0"/>
-                <a:ea typeface="Segoe UI Black" panose="020B0A02040204020203" pitchFamily="34" charset="0"/>
-              </a:rPr>
-              <a:t>:  A 2D matrix to store table data</a:t>
-            </a:r>
-          </a:p>
-          <a:p>
-            <a:r>
-              <a:rPr lang="en-US" sz="2800" dirty="0">
-                <a:latin typeface="Gill Sans MT" panose="020B0502020104020203" pitchFamily="34" charset="0"/>
-                <a:ea typeface="Segoe UI Black" panose="020B0A02040204020203" pitchFamily="34" charset="0"/>
-              </a:rPr>
-              <a:t>      Arrays and Lists:  1D arrays and lists for storing individual column data</a:t>
-            </a:r>
-          </a:p>
-          <a:p>
+              <a:t>      Pandas:      Library for working with data analysis and manipulation</a:t>
+            </a:r>
             <a:endParaRPr lang="en-US" sz="2800" dirty="0">
               <a:latin typeface="Gill Sans MT" panose="020B0502020104020203" pitchFamily="34" charset="0"/>
               <a:ea typeface="Segoe UI Black" panose="020B0A02040204020203" pitchFamily="34" charset="0"/>
@@ -6319,21 +5764,114 @@
                 <a:latin typeface="Gill Sans MT" panose="020B0502020104020203" pitchFamily="34" charset="0"/>
                 <a:ea typeface="Segoe UI Black" panose="020B0A02040204020203" pitchFamily="34" charset="0"/>
               </a:rPr>
-              <a:t> </a:t>
-            </a:r>
-            <a:endParaRPr lang="en-PK" sz="2400" dirty="0">
+              <a:t>      Matplotlib: Basic Data Visualization Library for making graphs</a:t>
+            </a:r>
+            <a:endParaRPr lang="en-US" sz="2800" dirty="0">
               <a:latin typeface="Gill Sans MT" panose="020B0502020104020203" pitchFamily="34" charset="0"/>
               <a:ea typeface="Segoe UI Black" panose="020B0A02040204020203" pitchFamily="34" charset="0"/>
             </a:endParaRPr>
           </a:p>
+          <a:p>
+            <a:r>
+              <a:rPr lang="en-US" sz="2800" dirty="0">
+                <a:latin typeface="Gill Sans MT" panose="020B0502020104020203" pitchFamily="34" charset="0"/>
+                <a:ea typeface="Segoe UI Black" panose="020B0A02040204020203" pitchFamily="34" charset="0"/>
+              </a:rPr>
+              <a:t>      Seaborn:    Advanced Data Visualization Library built on top of Matplotlib</a:t>
+            </a:r>
+            <a:endParaRPr lang="en-US" sz="2800" dirty="0">
+              <a:latin typeface="Gill Sans MT" panose="020B0502020104020203" pitchFamily="34" charset="0"/>
+              <a:ea typeface="Segoe UI Black" panose="020B0A02040204020203" pitchFamily="34" charset="0"/>
+            </a:endParaRPr>
+          </a:p>
+          <a:p>
+            <a:endParaRPr lang="en-US" sz="2800" dirty="0">
+              <a:latin typeface="Gill Sans MT" panose="020B0502020104020203" pitchFamily="34" charset="0"/>
+              <a:ea typeface="Segoe UI Black" panose="020B0A02040204020203" pitchFamily="34" charset="0"/>
+            </a:endParaRPr>
+          </a:p>
+          <a:p>
+            <a:r>
+              <a:rPr lang="en-US" sz="3200" dirty="0">
+                <a:latin typeface="Segoe UI Black" panose="020B0A02040204020203" pitchFamily="34" charset="0"/>
+                <a:ea typeface="Segoe UI Black" panose="020B0A02040204020203" pitchFamily="34" charset="0"/>
+              </a:rPr>
+              <a:t>Data Structures</a:t>
+            </a:r>
+            <a:endParaRPr lang="en-US" sz="3200" dirty="0">
+              <a:latin typeface="Segoe UI Black" panose="020B0A02040204020203" pitchFamily="34" charset="0"/>
+              <a:ea typeface="Segoe UI Black" panose="020B0A02040204020203" pitchFamily="34" charset="0"/>
+            </a:endParaRPr>
+          </a:p>
+          <a:p>
+            <a:r>
+              <a:rPr lang="en-US" sz="3200" dirty="0">
+                <a:latin typeface="Segoe UI Black" panose="020B0A02040204020203" pitchFamily="34" charset="0"/>
+                <a:ea typeface="Segoe UI Black" panose="020B0A02040204020203" pitchFamily="34" charset="0"/>
+              </a:rPr>
+              <a:t>     </a:t>
+            </a:r>
+            <a:r>
+              <a:rPr lang="en-US" sz="2800" dirty="0">
+                <a:latin typeface="Gill Sans MT" panose="020B0502020104020203" pitchFamily="34" charset="0"/>
+                <a:ea typeface="Segoe UI Black" panose="020B0A02040204020203" pitchFamily="34" charset="0"/>
+              </a:rPr>
+              <a:t>Pandas </a:t>
+            </a:r>
+            <a:r>
+              <a:rPr lang="en-US" sz="2800" dirty="0" err="1">
+                <a:latin typeface="Gill Sans MT" panose="020B0502020104020203" pitchFamily="34" charset="0"/>
+                <a:ea typeface="Segoe UI Black" panose="020B0A02040204020203" pitchFamily="34" charset="0"/>
+              </a:rPr>
+              <a:t>DataFrame</a:t>
+            </a:r>
+            <a:r>
+              <a:rPr lang="en-US" sz="2800" dirty="0">
+                <a:latin typeface="Gill Sans MT" panose="020B0502020104020203" pitchFamily="34" charset="0"/>
+                <a:ea typeface="Segoe UI Black" panose="020B0A02040204020203" pitchFamily="34" charset="0"/>
+              </a:rPr>
+              <a:t>:  A 2D matrix to store table data</a:t>
+            </a:r>
+            <a:endParaRPr lang="en-US" sz="2800" dirty="0">
+              <a:latin typeface="Gill Sans MT" panose="020B0502020104020203" pitchFamily="34" charset="0"/>
+              <a:ea typeface="Segoe UI Black" panose="020B0A02040204020203" pitchFamily="34" charset="0"/>
+            </a:endParaRPr>
+          </a:p>
+          <a:p>
+            <a:r>
+              <a:rPr lang="en-US" sz="2800" dirty="0">
+                <a:latin typeface="Gill Sans MT" panose="020B0502020104020203" pitchFamily="34" charset="0"/>
+                <a:ea typeface="Segoe UI Black" panose="020B0A02040204020203" pitchFamily="34" charset="0"/>
+              </a:rPr>
+              <a:t>      Arrays and Lists:  1D arrays and lists for storing individual column data</a:t>
+            </a:r>
+            <a:endParaRPr lang="en-US" sz="2800" dirty="0">
+              <a:latin typeface="Gill Sans MT" panose="020B0502020104020203" pitchFamily="34" charset="0"/>
+              <a:ea typeface="Segoe UI Black" panose="020B0A02040204020203" pitchFamily="34" charset="0"/>
+            </a:endParaRPr>
+          </a:p>
+          <a:p>
+            <a:endParaRPr lang="en-US" sz="2800" dirty="0">
+              <a:latin typeface="Gill Sans MT" panose="020B0502020104020203" pitchFamily="34" charset="0"/>
+              <a:ea typeface="Segoe UI Black" panose="020B0A02040204020203" pitchFamily="34" charset="0"/>
+            </a:endParaRPr>
+          </a:p>
+          <a:p>
+            <a:r>
+              <a:rPr lang="en-US" sz="2800" dirty="0">
+                <a:latin typeface="Gill Sans MT" panose="020B0502020104020203" pitchFamily="34" charset="0"/>
+                <a:ea typeface="Segoe UI Black" panose="020B0A02040204020203" pitchFamily="34" charset="0"/>
+              </a:rPr>
+              <a:t> </a:t>
+            </a:r>
+            <a:endParaRPr lang="en-US" sz="2400" dirty="0">
+              <a:latin typeface="Gill Sans MT" panose="020B0502020104020203" pitchFamily="34" charset="0"/>
+              <a:ea typeface="Segoe UI Black" panose="020B0A02040204020203" pitchFamily="34" charset="0"/>
+            </a:endParaRPr>
+          </a:p>
         </p:txBody>
       </p:sp>
     </p:spTree>
-    <p:extLst>
-      <p:ext uri="{BB962C8B-B14F-4D97-AF65-F5344CB8AC3E}">
-        <p14:creationId xmlns:p14="http://schemas.microsoft.com/office/powerpoint/2010/main" val="3296931497"/>
-      </p:ext>
-    </p:extLst>
   </p:cSld>
   <p:clrMapOvr>
     <a:masterClrMapping/>
@@ -6920,13 +6458,7 @@
       </p:grpSpPr>
       <p:sp>
         <p:nvSpPr>
-          <p:cNvPr id="4" name="Rectangle 3">
-            <a:extLst>
-              <a:ext uri="{FF2B5EF4-FFF2-40B4-BE49-F238E27FC236}">
-                <a16:creationId xmlns:a16="http://schemas.microsoft.com/office/drawing/2014/main" id="{66EFE92B-722D-45C5-AA19-5BAC3ACF7BE3}"/>
-              </a:ext>
-            </a:extLst>
-          </p:cNvPr>
+          <p:cNvPr id="4" name="Rectangle 3"/>
           <p:cNvSpPr/>
           <p:nvPr/>
         </p:nvSpPr>
@@ -6939,7 +6471,7 @@
             <a:avLst/>
           </a:prstGeom>
           <a:blipFill dpi="0" rotWithShape="1">
-            <a:blip r:embed="rId2">
+            <a:blip r:embed="rId1">
               <a:extLst>
                 <a:ext uri="{28A0092B-C50C-407E-A947-70E740481C1C}">
                   <a14:useLocalDpi xmlns:a14="http://schemas.microsoft.com/office/drawing/2010/main" val="0"/>
@@ -6973,16 +6505,11 @@
           <a:lstStyle/>
           <a:p>
             <a:pPr algn="ctr"/>
-            <a:endParaRPr lang="en-PK"/>
+            <a:endParaRPr lang="en-US"/>
           </a:p>
         </p:txBody>
       </p:sp>
     </p:spTree>
-    <p:extLst>
-      <p:ext uri="{BB962C8B-B14F-4D97-AF65-F5344CB8AC3E}">
-        <p14:creationId xmlns:p14="http://schemas.microsoft.com/office/powerpoint/2010/main" val="2530823350"/>
-      </p:ext>
-    </p:extLst>
   </p:cSld>
   <p:clrMapOvr>
     <a:masterClrMapping/>
@@ -7012,13 +6539,7 @@
       </p:grpSpPr>
       <p:sp>
         <p:nvSpPr>
-          <p:cNvPr id="4" name="TextBox 3">
-            <a:extLst>
-              <a:ext uri="{FF2B5EF4-FFF2-40B4-BE49-F238E27FC236}">
-                <a16:creationId xmlns:a16="http://schemas.microsoft.com/office/drawing/2014/main" id="{53C341B5-C32A-4830-9798-4EA5AF3652F4}"/>
-              </a:ext>
-            </a:extLst>
-          </p:cNvPr>
+          <p:cNvPr id="4" name="TextBox 3"/>
           <p:cNvSpPr txBox="1"/>
           <p:nvPr/>
         </p:nvSpPr>
@@ -7133,6 +6654,10 @@
               </a:rPr>
               <a:t>, Species. Category column is later added for classification</a:t>
             </a:r>
+            <a:endParaRPr lang="en-US" sz="2400" dirty="0">
+              <a:latin typeface="Gill Sans MT" panose="020B0502020104020203" pitchFamily="34" charset="0"/>
+              <a:ea typeface="Segoe UI Black" panose="020B0A02040204020203" pitchFamily="34" charset="0"/>
+            </a:endParaRPr>
           </a:p>
           <a:p>
             <a:endParaRPr lang="en-US" sz="2800" dirty="0">
@@ -7213,6 +6738,10 @@
               </a:rPr>
               <a:t>There were no empty cells in any columns</a:t>
             </a:r>
+            <a:endParaRPr lang="en-US" sz="2800" dirty="0">
+              <a:latin typeface="Gill Sans MT" panose="020B0502020104020203" pitchFamily="34" charset="0"/>
+              <a:ea typeface="Segoe UI Black" panose="020B0A02040204020203" pitchFamily="34" charset="0"/>
+            </a:endParaRPr>
           </a:p>
           <a:p>
             <a:r>
@@ -7222,6 +6751,10 @@
               </a:rPr>
               <a:t>  2)  No duplicates values were found</a:t>
             </a:r>
+            <a:endParaRPr lang="en-US" sz="2800" dirty="0">
+              <a:latin typeface="Gill Sans MT" panose="020B0502020104020203" pitchFamily="34" charset="0"/>
+              <a:ea typeface="Segoe UI Black" panose="020B0A02040204020203" pitchFamily="34" charset="0"/>
+            </a:endParaRPr>
           </a:p>
           <a:p>
             <a:r>
@@ -7231,6 +6764,10 @@
               </a:rPr>
               <a:t>  3)  The Id column was dropped as it not useful for logistic Regression </a:t>
             </a:r>
+            <a:endParaRPr lang="en-US" sz="2800" dirty="0">
+              <a:latin typeface="Gill Sans MT" panose="020B0502020104020203" pitchFamily="34" charset="0"/>
+              <a:ea typeface="Segoe UI Black" panose="020B0A02040204020203" pitchFamily="34" charset="0"/>
+            </a:endParaRPr>
           </a:p>
           <a:p>
             <a:r>
@@ -7250,6 +6787,9 @@
               </a:rPr>
               <a:t>)  We give 70% data to the train sets and 30% to the test sets.</a:t>
             </a:r>
+            <a:endParaRPr lang="en-US" sz="2800" dirty="0">
+              <a:latin typeface="Gill Sans MT" panose="020B0502020104020203" pitchFamily="34" charset="0"/>
+            </a:endParaRPr>
           </a:p>
           <a:p>
             <a:r>
@@ -7258,6 +6798,9 @@
               </a:rPr>
               <a:t>  5)  The model is being trained to differentiate whether a flower is versicolor    </a:t>
             </a:r>
+            <a:endParaRPr lang="en-US" sz="2800" dirty="0">
+              <a:latin typeface="Gill Sans MT" panose="020B0502020104020203" pitchFamily="34" charset="0"/>
+            </a:endParaRPr>
           </a:p>
           <a:p>
             <a:r>
@@ -7266,6 +6809,9 @@
               </a:rPr>
               <a:t>      or not.</a:t>
             </a:r>
+            <a:endParaRPr lang="en-US" sz="2800" dirty="0">
+              <a:latin typeface="Gill Sans MT" panose="020B0502020104020203" pitchFamily="34" charset="0"/>
+            </a:endParaRPr>
           </a:p>
           <a:p>
             <a:endParaRPr lang="en-US" sz="2800" dirty="0">
@@ -7302,7 +6848,7 @@
               </a:rPr>
               <a:t> </a:t>
             </a:r>
-            <a:endParaRPr lang="en-PK" sz="3200" dirty="0">
+            <a:endParaRPr lang="en-US" sz="3200" dirty="0">
               <a:solidFill>
                 <a:schemeClr val="bg2">
                   <a:lumMod val="25000"/>
@@ -7315,11 +6861,6 @@
         </p:txBody>
       </p:sp>
     </p:spTree>
-    <p:extLst>
-      <p:ext uri="{BB962C8B-B14F-4D97-AF65-F5344CB8AC3E}">
-        <p14:creationId xmlns:p14="http://schemas.microsoft.com/office/powerpoint/2010/main" val="2537994161"/>
-      </p:ext>
-    </p:extLst>
   </p:cSld>
   <p:clrMapOvr>
     <a:masterClrMapping/>
@@ -7802,20 +7343,14 @@
       </p:grpSpPr>
       <p:sp>
         <p:nvSpPr>
-          <p:cNvPr id="6" name="TextBox 5">
-            <a:extLst>
-              <a:ext uri="{FF2B5EF4-FFF2-40B4-BE49-F238E27FC236}">
-                <a16:creationId xmlns:a16="http://schemas.microsoft.com/office/drawing/2014/main" id="{10B0BC3C-E485-4740-AE0F-2CC8CBCB2E35}"/>
-              </a:ext>
-            </a:extLst>
-          </p:cNvPr>
+          <p:cNvPr id="6" name="TextBox 5"/>
           <p:cNvSpPr txBox="1"/>
           <p:nvPr/>
         </p:nvSpPr>
         <p:spPr>
           <a:xfrm>
             <a:off x="452761" y="319596"/>
-            <a:ext cx="11381173" cy="5940088"/>
+            <a:ext cx="11381173" cy="6677660"/>
           </a:xfrm>
           <a:prstGeom prst="rect">
             <a:avLst/>
@@ -7840,6 +7375,44 @@
               </a:rPr>
               <a:t>Calculations</a:t>
             </a:r>
+            <a:endParaRPr lang="en-US" sz="3200" dirty="0">
+              <a:solidFill>
+                <a:schemeClr val="bg2">
+                  <a:lumMod val="25000"/>
+                </a:schemeClr>
+              </a:solidFill>
+              <a:latin typeface="Segoe UI Black" panose="020B0A02040204020203" pitchFamily="34" charset="0"/>
+              <a:ea typeface="Segoe UI Black" panose="020B0A02040204020203" pitchFamily="34" charset="0"/>
+            </a:endParaRPr>
+          </a:p>
+          <a:p>
+            <a:pPr marL="457200" indent="-457200">
+              <a:buAutoNum type="arabicParenR"/>
+            </a:pPr>
+            <a:r>
+              <a:rPr lang="en-US" altLang="es-ES" sz="2400" dirty="0">
+                <a:latin typeface="Gill Sans MT" panose="020B0502020104020203" pitchFamily="34" charset="0"/>
+                <a:sym typeface="+mn-ea"/>
+              </a:rPr>
+              <a:t>The </a:t>
+            </a:r>
+            <a:r>
+              <a:rPr lang="es-ES" sz="2400" dirty="0">
+                <a:latin typeface="Gill Sans MT" panose="020B0502020104020203" pitchFamily="34" charset="0"/>
+                <a:sym typeface="+mn-ea"/>
+              </a:rPr>
+              <a:t>difference between the predicted probabilities and the true labels</a:t>
+            </a:r>
+            <a:r>
+              <a:rPr lang="en-US" altLang="es-ES" sz="2400" dirty="0">
+                <a:latin typeface="Gill Sans MT" panose="020B0502020104020203" pitchFamily="34" charset="0"/>
+                <a:sym typeface="+mn-ea"/>
+              </a:rPr>
+              <a:t> is called loss.</a:t>
+            </a:r>
+            <a:endParaRPr lang="es-ES" sz="2400" dirty="0">
+              <a:latin typeface="Gill Sans MT" panose="020B0502020104020203" pitchFamily="34" charset="0"/>
+            </a:endParaRPr>
           </a:p>
           <a:p>
             <a:pPr marL="457200" indent="-457200">
@@ -7855,8 +7428,17 @@
                 <a:latin typeface="Gill Sans MT" panose="020B0502020104020203" pitchFamily="34" charset="0"/>
                 <a:ea typeface="Segoe UI Black" panose="020B0A02040204020203" pitchFamily="34" charset="0"/>
               </a:rPr>
-              <a:t>The cost or loss function is computed using the formulae</a:t>
-            </a:r>
+              <a:t>The cost or loss function is used to decrease loss which is computed using the formulae</a:t>
+            </a:r>
+            <a:endParaRPr lang="en-US" sz="2400" dirty="0">
+              <a:solidFill>
+                <a:schemeClr val="bg2">
+                  <a:lumMod val="25000"/>
+                </a:schemeClr>
+              </a:solidFill>
+              <a:latin typeface="Gill Sans MT" panose="020B0502020104020203" pitchFamily="34" charset="0"/>
+              <a:ea typeface="Segoe UI Black" panose="020B0A02040204020203" pitchFamily="34" charset="0"/>
+            </a:endParaRPr>
           </a:p>
           <a:p>
             <a:r>
@@ -7895,20 +7477,6 @@
               </a:rPr>
               <a:t>log(1-h)]</a:t>
             </a:r>
-          </a:p>
-          <a:p>
-            <a:r>
-              <a:rPr lang="es-ES" sz="2400" dirty="0">
-                <a:latin typeface="Gill Sans MT" panose="020B0502020104020203" pitchFamily="34" charset="0"/>
-              </a:rPr>
-              <a:t>        </a:t>
-            </a:r>
-            <a:r>
-              <a:rPr lang="es-ES" sz="2400" dirty="0" err="1">
-                <a:latin typeface="Gill Sans MT" panose="020B0502020104020203" pitchFamily="34" charset="0"/>
-              </a:rPr>
-              <a:t>where</a:t>
-            </a:r>
             <a:endParaRPr lang="es-ES" sz="2400" dirty="0">
               <a:latin typeface="Gill Sans MT" panose="020B0502020104020203" pitchFamily="34" charset="0"/>
             </a:endParaRPr>
@@ -7918,151 +7486,183 @@
               <a:rPr lang="es-ES" sz="2400" dirty="0">
                 <a:latin typeface="Gill Sans MT" panose="020B0502020104020203" pitchFamily="34" charset="0"/>
               </a:rPr>
-              <a:t>        m = </a:t>
+              <a:t>        </a:t>
             </a:r>
             <a:r>
               <a:rPr lang="es-ES" sz="2400" dirty="0" err="1">
                 <a:latin typeface="Gill Sans MT" panose="020B0502020104020203" pitchFamily="34" charset="0"/>
               </a:rPr>
-              <a:t>length</a:t>
-            </a:r>
-            <a:r>
-              <a:rPr lang="es-ES" sz="2400" dirty="0">
-                <a:latin typeface="Gill Sans MT" panose="020B0502020104020203" pitchFamily="34" charset="0"/>
-              </a:rPr>
-              <a:t> </a:t>
-            </a:r>
-            <a:r>
-              <a:rPr lang="es-ES" sz="2400" dirty="0" err="1">
-                <a:latin typeface="Gill Sans MT" panose="020B0502020104020203" pitchFamily="34" charset="0"/>
-              </a:rPr>
-              <a:t>of</a:t>
-            </a:r>
-            <a:r>
-              <a:rPr lang="es-ES" sz="2400" dirty="0">
-                <a:latin typeface="Gill Sans MT" panose="020B0502020104020203" pitchFamily="34" charset="0"/>
-              </a:rPr>
-              <a:t> target data</a:t>
-            </a:r>
-          </a:p>
-          <a:p>
-            <a:r>
-              <a:rPr lang="es-ES" sz="2400" dirty="0">
-                <a:latin typeface="Gill Sans MT" panose="020B0502020104020203" pitchFamily="34" charset="0"/>
-              </a:rPr>
-              <a:t>        y= target data</a:t>
-            </a:r>
-          </a:p>
-          <a:p>
-            <a:r>
-              <a:rPr lang="es-ES" sz="2400" dirty="0">
-                <a:latin typeface="Gill Sans MT" panose="020B0502020104020203" pitchFamily="34" charset="0"/>
-              </a:rPr>
-              <a:t>        h= </a:t>
-            </a:r>
-            <a:r>
-              <a:rPr lang="es-ES" sz="2400" dirty="0" err="1">
-                <a:latin typeface="Gill Sans MT" panose="020B0502020104020203" pitchFamily="34" charset="0"/>
-              </a:rPr>
-              <a:t>sigmoid</a:t>
-            </a:r>
-            <a:r>
-              <a:rPr lang="es-ES" sz="2400" dirty="0">
-                <a:latin typeface="Gill Sans MT" panose="020B0502020104020203" pitchFamily="34" charset="0"/>
-              </a:rPr>
-              <a:t> </a:t>
-            </a:r>
-            <a:r>
-              <a:rPr lang="es-ES" sz="2400" dirty="0" err="1">
-                <a:latin typeface="Gill Sans MT" panose="020B0502020104020203" pitchFamily="34" charset="0"/>
-              </a:rPr>
-              <a:t>of</a:t>
-            </a:r>
-            <a:r>
-              <a:rPr lang="es-ES" sz="2400" dirty="0">
-                <a:latin typeface="Gill Sans MT" panose="020B0502020104020203" pitchFamily="34" charset="0"/>
-              </a:rPr>
-              <a:t> </a:t>
-            </a:r>
-            <a:r>
-              <a:rPr lang="es-ES" sz="2400" dirty="0" err="1">
-                <a:latin typeface="Gill Sans MT" panose="020B0502020104020203" pitchFamily="34" charset="0"/>
-              </a:rPr>
-              <a:t>dot</a:t>
-            </a:r>
-            <a:r>
-              <a:rPr lang="es-ES" sz="2400" dirty="0">
-                <a:latin typeface="Gill Sans MT" panose="020B0502020104020203" pitchFamily="34" charset="0"/>
-              </a:rPr>
-              <a:t> </a:t>
-            </a:r>
-            <a:r>
-              <a:rPr lang="es-ES" sz="2400" dirty="0" err="1">
-                <a:latin typeface="Gill Sans MT" panose="020B0502020104020203" pitchFamily="34" charset="0"/>
-              </a:rPr>
-              <a:t>product</a:t>
-            </a:r>
-            <a:r>
-              <a:rPr lang="es-ES" sz="2400" dirty="0">
-                <a:latin typeface="Gill Sans MT" panose="020B0502020104020203" pitchFamily="34" charset="0"/>
-              </a:rPr>
-              <a:t> </a:t>
-            </a:r>
-            <a:r>
-              <a:rPr lang="es-ES" sz="2400" dirty="0" err="1">
-                <a:latin typeface="Gill Sans MT" panose="020B0502020104020203" pitchFamily="34" charset="0"/>
-              </a:rPr>
-              <a:t>of</a:t>
-            </a:r>
-            <a:r>
-              <a:rPr lang="es-ES" sz="2400" dirty="0">
-                <a:latin typeface="Gill Sans MT" panose="020B0502020104020203" pitchFamily="34" charset="0"/>
-              </a:rPr>
-              <a:t> </a:t>
-            </a:r>
-            <a:r>
-              <a:rPr lang="es-ES" sz="2400" dirty="0" err="1">
-                <a:latin typeface="Gill Sans MT" panose="020B0502020104020203" pitchFamily="34" charset="0"/>
-              </a:rPr>
-              <a:t>features</a:t>
-            </a:r>
-            <a:r>
-              <a:rPr lang="es-ES" sz="2400" dirty="0">
-                <a:latin typeface="Gill Sans MT" panose="020B0502020104020203" pitchFamily="34" charset="0"/>
-              </a:rPr>
-              <a:t> and </a:t>
-            </a:r>
-            <a:r>
-              <a:rPr lang="es-ES" sz="2400" dirty="0" err="1">
-                <a:latin typeface="Gill Sans MT" panose="020B0502020104020203" pitchFamily="34" charset="0"/>
-              </a:rPr>
-              <a:t>an</a:t>
-            </a:r>
-            <a:r>
-              <a:rPr lang="es-ES" sz="2400" dirty="0">
-                <a:latin typeface="Gill Sans MT" panose="020B0502020104020203" pitchFamily="34" charset="0"/>
-              </a:rPr>
-              <a:t> array </a:t>
-            </a:r>
-            <a:r>
-              <a:rPr lang="es-ES" sz="2400" dirty="0" err="1">
-                <a:latin typeface="Gill Sans MT" panose="020B0502020104020203" pitchFamily="34" charset="0"/>
-              </a:rPr>
-              <a:t>of</a:t>
-            </a:r>
-            <a:r>
-              <a:rPr lang="es-ES" sz="2400" dirty="0">
-                <a:latin typeface="Gill Sans MT" panose="020B0502020104020203" pitchFamily="34" charset="0"/>
-              </a:rPr>
-              <a:t> 0s</a:t>
-            </a:r>
-          </a:p>
-          <a:p>
+              <a:t>where</a:t>
+            </a:r>
             <a:endParaRPr lang="es-ES" sz="2400" dirty="0">
               <a:latin typeface="Gill Sans MT" panose="020B0502020104020203" pitchFamily="34" charset="0"/>
             </a:endParaRPr>
           </a:p>
           <a:p>
+            <a:r>
+              <a:rPr lang="es-ES" sz="2400" dirty="0">
+                <a:latin typeface="Gill Sans MT" panose="020B0502020104020203" pitchFamily="34" charset="0"/>
+              </a:rPr>
+              <a:t>        m = </a:t>
+            </a:r>
+            <a:r>
+              <a:rPr lang="es-ES" sz="2400" dirty="0" err="1">
+                <a:latin typeface="Gill Sans MT" panose="020B0502020104020203" pitchFamily="34" charset="0"/>
+              </a:rPr>
+              <a:t>length</a:t>
+            </a:r>
+            <a:r>
+              <a:rPr lang="es-ES" sz="2400" dirty="0">
+                <a:latin typeface="Gill Sans MT" panose="020B0502020104020203" pitchFamily="34" charset="0"/>
+              </a:rPr>
+              <a:t> </a:t>
+            </a:r>
+            <a:r>
+              <a:rPr lang="es-ES" sz="2400" dirty="0" err="1">
+                <a:latin typeface="Gill Sans MT" panose="020B0502020104020203" pitchFamily="34" charset="0"/>
+              </a:rPr>
+              <a:t>of</a:t>
+            </a:r>
+            <a:r>
+              <a:rPr lang="es-ES" sz="2400" dirty="0">
+                <a:latin typeface="Gill Sans MT" panose="020B0502020104020203" pitchFamily="34" charset="0"/>
+              </a:rPr>
+              <a:t> target data</a:t>
+            </a:r>
+            <a:endParaRPr lang="es-ES" sz="2400" dirty="0">
+              <a:latin typeface="Gill Sans MT" panose="020B0502020104020203" pitchFamily="34" charset="0"/>
+            </a:endParaRPr>
+          </a:p>
+          <a:p>
+            <a:r>
+              <a:rPr lang="es-ES" sz="2400" dirty="0">
+                <a:latin typeface="Gill Sans MT" panose="020B0502020104020203" pitchFamily="34" charset="0"/>
+              </a:rPr>
+              <a:t>        y= target data</a:t>
+            </a:r>
+            <a:endParaRPr lang="es-ES" sz="2400" dirty="0">
+              <a:latin typeface="Gill Sans MT" panose="020B0502020104020203" pitchFamily="34" charset="0"/>
+            </a:endParaRPr>
+          </a:p>
+          <a:p>
+            <a:r>
+              <a:rPr lang="es-ES" sz="2400" dirty="0">
+                <a:latin typeface="Gill Sans MT" panose="020B0502020104020203" pitchFamily="34" charset="0"/>
+              </a:rPr>
+              <a:t>        h= </a:t>
+            </a:r>
+            <a:r>
+              <a:rPr lang="es-ES" sz="2400" dirty="0" err="1">
+                <a:latin typeface="Gill Sans MT" panose="020B0502020104020203" pitchFamily="34" charset="0"/>
+              </a:rPr>
+              <a:t>sigmoid</a:t>
+            </a:r>
+            <a:r>
+              <a:rPr lang="es-ES" sz="2400" dirty="0">
+                <a:latin typeface="Gill Sans MT" panose="020B0502020104020203" pitchFamily="34" charset="0"/>
+              </a:rPr>
+              <a:t> </a:t>
+            </a:r>
+            <a:r>
+              <a:rPr lang="es-ES" sz="2400" dirty="0" err="1">
+                <a:latin typeface="Gill Sans MT" panose="020B0502020104020203" pitchFamily="34" charset="0"/>
+              </a:rPr>
+              <a:t>of</a:t>
+            </a:r>
+            <a:r>
+              <a:rPr lang="es-ES" sz="2400" dirty="0">
+                <a:latin typeface="Gill Sans MT" panose="020B0502020104020203" pitchFamily="34" charset="0"/>
+              </a:rPr>
+              <a:t> </a:t>
+            </a:r>
+            <a:r>
+              <a:rPr lang="es-ES" sz="2400" dirty="0" err="1">
+                <a:latin typeface="Gill Sans MT" panose="020B0502020104020203" pitchFamily="34" charset="0"/>
+              </a:rPr>
+              <a:t>dot</a:t>
+            </a:r>
+            <a:r>
+              <a:rPr lang="es-ES" sz="2400" dirty="0">
+                <a:latin typeface="Gill Sans MT" panose="020B0502020104020203" pitchFamily="34" charset="0"/>
+              </a:rPr>
+              <a:t> </a:t>
+            </a:r>
+            <a:r>
+              <a:rPr lang="es-ES" sz="2400" dirty="0" err="1">
+                <a:latin typeface="Gill Sans MT" panose="020B0502020104020203" pitchFamily="34" charset="0"/>
+              </a:rPr>
+              <a:t>product</a:t>
+            </a:r>
+            <a:r>
+              <a:rPr lang="es-ES" sz="2400" dirty="0">
+                <a:latin typeface="Gill Sans MT" panose="020B0502020104020203" pitchFamily="34" charset="0"/>
+              </a:rPr>
+              <a:t> </a:t>
+            </a:r>
+            <a:r>
+              <a:rPr lang="es-ES" sz="2400" dirty="0" err="1">
+                <a:latin typeface="Gill Sans MT" panose="020B0502020104020203" pitchFamily="34" charset="0"/>
+              </a:rPr>
+              <a:t>of</a:t>
+            </a:r>
+            <a:r>
+              <a:rPr lang="es-ES" sz="2400" dirty="0">
+                <a:latin typeface="Gill Sans MT" panose="020B0502020104020203" pitchFamily="34" charset="0"/>
+              </a:rPr>
+              <a:t> </a:t>
+            </a:r>
+            <a:r>
+              <a:rPr lang="es-ES" sz="2400" dirty="0" err="1">
+                <a:latin typeface="Gill Sans MT" panose="020B0502020104020203" pitchFamily="34" charset="0"/>
+              </a:rPr>
+              <a:t>features</a:t>
+            </a:r>
+            <a:r>
+              <a:rPr lang="es-ES" sz="2400" dirty="0">
+                <a:latin typeface="Gill Sans MT" panose="020B0502020104020203" pitchFamily="34" charset="0"/>
+              </a:rPr>
+              <a:t> and </a:t>
+            </a:r>
+            <a:r>
+              <a:rPr lang="es-ES" sz="2400" dirty="0" err="1">
+                <a:latin typeface="Gill Sans MT" panose="020B0502020104020203" pitchFamily="34" charset="0"/>
+              </a:rPr>
+              <a:t>an</a:t>
+            </a:r>
+            <a:r>
+              <a:rPr lang="es-ES" sz="2400" dirty="0">
+                <a:latin typeface="Gill Sans MT" panose="020B0502020104020203" pitchFamily="34" charset="0"/>
+              </a:rPr>
+              <a:t> array </a:t>
+            </a:r>
+            <a:r>
+              <a:rPr lang="es-ES" sz="2400" dirty="0" err="1">
+                <a:latin typeface="Gill Sans MT" panose="020B0502020104020203" pitchFamily="34" charset="0"/>
+              </a:rPr>
+              <a:t>of</a:t>
+            </a:r>
+            <a:r>
+              <a:rPr lang="es-ES" sz="2400" dirty="0">
+                <a:latin typeface="Gill Sans MT" panose="020B0502020104020203" pitchFamily="34" charset="0"/>
+              </a:rPr>
+              <a:t> 0s</a:t>
+            </a:r>
+            <a:r>
+              <a:rPr lang="en-US" altLang="es-ES" sz="2400" dirty="0">
+                <a:latin typeface="Gill Sans MT" panose="020B0502020104020203" pitchFamily="34" charset="0"/>
+              </a:rPr>
+              <a:t>.</a:t>
+            </a:r>
+            <a:endParaRPr lang="en-US" altLang="es-ES" sz="2400" dirty="0">
+              <a:latin typeface="Gill Sans MT" panose="020B0502020104020203" pitchFamily="34" charset="0"/>
+            </a:endParaRPr>
+          </a:p>
+          <a:p>
+            <a:endParaRPr lang="es-ES" sz="2400" dirty="0">
+              <a:latin typeface="Gill Sans MT" panose="020B0502020104020203" pitchFamily="34" charset="0"/>
+            </a:endParaRPr>
+          </a:p>
+          <a:p>
             <a:pPr marL="457200" indent="-457200">
               <a:buAutoNum type="arabicParenR" startAt="2"/>
             </a:pPr>
@@ -8342,6 +7942,9 @@
               </a:rPr>
               <a:t>. </a:t>
             </a:r>
+            <a:endParaRPr lang="es-ES" sz="2400" dirty="0">
+              <a:latin typeface="Gill Sans MT" panose="020B0502020104020203" pitchFamily="34" charset="0"/>
+            </a:endParaRPr>
           </a:p>
           <a:p>
             <a:r>
@@ -8381,13 +7984,13 @@
               <a:t>(x</a:t>
             </a:r>
             <a:r>
-              <a:rPr lang="en-PK" dirty="0">
+              <a:rPr lang="en-US" dirty="0">
                 <a:latin typeface="Gill Sans MT" panose="020B0502020104020203" pitchFamily="34" charset="0"/>
               </a:rPr>
               <a:t>​</a:t>
             </a:r>
             <a:r>
-              <a:rPr lang="en-PK" baseline="30000" dirty="0">
+              <a:rPr lang="en-US" baseline="30000" dirty="0">
                 <a:latin typeface="Gill Sans MT" panose="020B0502020104020203" pitchFamily="34" charset="0"/>
               </a:rPr>
               <a:t>T</a:t>
@@ -8405,7 +8008,7 @@
               <a:t>* </a:t>
             </a:r>
             <a:r>
-              <a:rPr lang="en-PK" dirty="0">
+              <a:rPr lang="en-US" dirty="0">
                 <a:latin typeface="Gill Sans MT" panose="020B0502020104020203" pitchFamily="34" charset="0"/>
               </a:rPr>
               <a:t>(h−y)</a:t>
@@ -8416,6 +8019,9 @@
               </a:rPr>
               <a:t>)/m</a:t>
             </a:r>
+            <a:endParaRPr lang="en-US" dirty="0">
+              <a:latin typeface="Gill Sans MT" panose="020B0502020104020203" pitchFamily="34" charset="0"/>
+            </a:endParaRPr>
           </a:p>
           <a:p>
             <a:r>
@@ -8436,6 +8042,9 @@
               </a:rPr>
               <a:t> descent</a:t>
             </a:r>
+            <a:endParaRPr lang="en-US" dirty="0">
+              <a:latin typeface="Gill Sans MT" panose="020B0502020104020203" pitchFamily="34" charset="0"/>
+            </a:endParaRPr>
           </a:p>
           <a:p>
             <a:r>
@@ -8450,6 +8059,9 @@
               </a:rPr>
               <a:t>  h=sigmoid of z</a:t>
             </a:r>
+            <a:endParaRPr lang="en-US" sz="2400" dirty="0">
+              <a:latin typeface="Gill Sans MT" panose="020B0502020104020203" pitchFamily="34" charset="0"/>
+            </a:endParaRPr>
           </a:p>
           <a:p>
             <a:r>
@@ -8458,7 +8070,7 @@
               </a:rPr>
               <a:t>      The best practice is to increase the no of iterations and minimize the learning rate</a:t>
             </a:r>
-            <a:endParaRPr lang="en-PK" sz="2400" dirty="0">
+            <a:endParaRPr lang="en-US" sz="2400" dirty="0">
               <a:latin typeface="Gill Sans MT" panose="020B0502020104020203" pitchFamily="34" charset="0"/>
             </a:endParaRPr>
           </a:p>
@@ -8483,11 +8095,6 @@
         </p:txBody>
       </p:sp>
     </p:spTree>
-    <p:extLst>
-      <p:ext uri="{BB962C8B-B14F-4D97-AF65-F5344CB8AC3E}">
-        <p14:creationId xmlns:p14="http://schemas.microsoft.com/office/powerpoint/2010/main" val="1313524981"/>
-      </p:ext>
-    </p:extLst>
   </p:cSld>
   <p:clrMapOvr>
     <a:masterClrMapping/>
@@ -8558,15 +8165,33 @@
                                   </p:childTnLst>
                                 </p:cTn>
                               </p:par>
+                            </p:childTnLst>
+                          </p:cTn>
+                        </p:par>
+                      </p:childTnLst>
+                    </p:cTn>
+                  </p:par>
+                  <p:par>
+                    <p:cTn id="8" fill="hold">
+                      <p:stCondLst>
+                        <p:cond delay="indefinite"/>
+                      </p:stCondLst>
+                      <p:childTnLst>
+                        <p:par>
+                          <p:cTn id="9" fill="hold">
+                            <p:stCondLst>
+                              <p:cond delay="0"/>
+                            </p:stCondLst>
+                            <p:childTnLst>
                               <p:par>
-                                <p:cTn id="8" presetID="10" presetClass="entr" presetSubtype="0" fill="hold" nodeType="withEffect">
+                                <p:cTn id="10" presetID="10" presetClass="entr" presetSubtype="0" fill="hold" nodeType="clickEffect">
                                   <p:stCondLst>
                                     <p:cond delay="0"/>
                                   </p:stCondLst>
                                   <p:childTnLst>
                                     <p:set>
                                       <p:cBhvr>
-                                        <p:cTn id="9" dur="1" fill="hold">
+                                        <p:cTn id="11" dur="1" fill="hold">
                                           <p:stCondLst>
                                             <p:cond delay="0"/>
                                           </p:stCondLst>
@@ -8588,7 +8213,7 @@
                                     </p:set>
                                     <p:animEffect transition="in" filter="fade">
                                       <p:cBhvr>
-                                        <p:cTn id="10" dur="500"/>
+                                        <p:cTn id="12" dur="500"/>
                                         <p:tgtEl>
                                           <p:spTgt spid="6">
                                             <p:txEl>
@@ -8602,14 +8227,14 @@
                                 </p:cTn>
                               </p:par>
                               <p:par>
-                                <p:cTn id="11" presetID="10" presetClass="entr" presetSubtype="0" fill="hold" nodeType="withEffect">
+                                <p:cTn id="13" presetID="10" presetClass="entr" presetSubtype="0" fill="hold" nodeType="withEffect">
                                   <p:stCondLst>
                                     <p:cond delay="0"/>
                                   </p:stCondLst>
                                   <p:childTnLst>
                                     <p:set>
                                       <p:cBhvr>
-                                        <p:cTn id="12" dur="1" fill="hold">
+                                        <p:cTn id="14" dur="1" fill="hold">
                                           <p:stCondLst>
                                             <p:cond delay="0"/>
                                           </p:stCondLst>
@@ -8631,7 +8256,7 @@
                                     </p:set>
                                     <p:animEffect transition="in" filter="fade">
                                       <p:cBhvr>
-                                        <p:cTn id="13" dur="500"/>
+                                        <p:cTn id="15" dur="500"/>
                                         <p:tgtEl>
                                           <p:spTgt spid="6">
                                             <p:txEl>
@@ -8645,14 +8270,14 @@
                                 </p:cTn>
                               </p:par>
                               <p:par>
-                                <p:cTn id="14" presetID="10" presetClass="entr" presetSubtype="0" fill="hold" nodeType="withEffect">
+                                <p:cTn id="16" presetID="10" presetClass="entr" presetSubtype="0" fill="hold" nodeType="withEffect">
                                   <p:stCondLst>
                                     <p:cond delay="0"/>
                                   </p:stCondLst>
                                   <p:childTnLst>
                                     <p:set>
                                       <p:cBhvr>
-                                        <p:cTn id="15" dur="1" fill="hold">
+                                        <p:cTn id="17" dur="1" fill="hold">
                                           <p:stCondLst>
                                             <p:cond delay="0"/>
                                           </p:stCondLst>
@@ -8674,7 +8299,7 @@
                                     </p:set>
                                     <p:animEffect transition="in" filter="fade">
                                       <p:cBhvr>
-                                        <p:cTn id="16" dur="500"/>
+                                        <p:cTn id="18" dur="500"/>
                                         <p:tgtEl>
                                           <p:spTgt spid="6">
                                             <p:txEl>
@@ -8688,14 +8313,14 @@
                                 </p:cTn>
                               </p:par>
                               <p:par>
-                                <p:cTn id="17" presetID="10" presetClass="entr" presetSubtype="0" fill="hold" nodeType="withEffect">
+                                <p:cTn id="19" presetID="10" presetClass="entr" presetSubtype="0" fill="hold" nodeType="withEffect">
                                   <p:stCondLst>
                                     <p:cond delay="0"/>
                                   </p:stCondLst>
                                   <p:childTnLst>
                                     <p:set>
                                       <p:cBhvr>
-                                        <p:cTn id="18" dur="1" fill="hold">
+                                        <p:cTn id="20" dur="1" fill="hold">
                                           <p:stCondLst>
                                             <p:cond delay="0"/>
                                           </p:stCondLst>
@@ -8717,7 +8342,7 @@
                                     </p:set>
                                     <p:animEffect transition="in" filter="fade">
                                       <p:cBhvr>
-                                        <p:cTn id="19" dur="500"/>
+                                        <p:cTn id="21" dur="500"/>
                                         <p:tgtEl>
                                           <p:spTgt spid="6">
                                             <p:txEl>
@@ -8731,14 +8356,14 @@
                                 </p:cTn>
                               </p:par>
                               <p:par>
-                                <p:cTn id="20" presetID="10" presetClass="entr" presetSubtype="0" fill="hold" nodeType="withEffect">
+                                <p:cTn id="22" presetID="10" presetClass="entr" presetSubtype="0" fill="hold" nodeType="withEffect">
                                   <p:stCondLst>
                                     <p:cond delay="0"/>
                                   </p:stCondLst>
                                   <p:childTnLst>
                                     <p:set>
                                       <p:cBhvr>
-                                        <p:cTn id="21" dur="1" fill="hold">
+                                        <p:cTn id="23" dur="1" fill="hold">
                                           <p:stCondLst>
                                             <p:cond delay="0"/>
                                           </p:stCondLst>
@@ -8760,11 +8385,54 @@
                                     </p:set>
                                     <p:animEffect transition="in" filter="fade">
                                       <p:cBhvr>
-                                        <p:cTn id="22" dur="500"/>
+                                        <p:cTn id="24" dur="500"/>
                                         <p:tgtEl>
                                           <p:spTgt spid="6">
                                             <p:txEl>
                                               <p:pRg st="6" end="6"/>
+                                            </p:txEl>
+                                          </p:spTgt>
+                                        </p:tgtEl>
+                                      </p:cBhvr>
+                                    </p:animEffect>
+                                  </p:childTnLst>
+                                </p:cTn>
+                              </p:par>
+                              <p:par>
+                                <p:cTn id="25" presetID="10" presetClass="entr" presetSubtype="0" fill="hold" nodeType="withEffect">
+                                  <p:stCondLst>
+                                    <p:cond delay="0"/>
+                                  </p:stCondLst>
+                                  <p:childTnLst>
+                                    <p:set>
+                                      <p:cBhvr>
+                                        <p:cTn id="26" dur="1" fill="hold">
+                                          <p:stCondLst>
+                                            <p:cond delay="0"/>
+                                          </p:stCondLst>
+                                        </p:cTn>
+                                        <p:tgtEl>
+                                          <p:spTgt spid="6">
+                                            <p:txEl>
+                                              <p:pRg st="7" end="7"/>
+                                            </p:txEl>
+                                          </p:spTgt>
+                                        </p:tgtEl>
+                                        <p:attrNameLst>
+                                          <p:attrName>style.visibility</p:attrName>
+                                        </p:attrNameLst>
+                                      </p:cBhvr>
+                                      <p:to>
+                                        <p:strVal val="visible"/>
+                                      </p:to>
+                                    </p:set>
+                                    <p:animEffect transition="in" filter="fade">
+                                      <p:cBhvr>
+                                        <p:cTn id="27" dur="500"/>
+                                        <p:tgtEl>
+                                          <p:spTgt spid="6">
+                                            <p:txEl>
+                                              <p:pRg st="7" end="7"/>
                                             </p:txEl>
                                           </p:spTgt>
                                         </p:tgtEl>
@@ -8780,26 +8448,26 @@
                     </p:cTn>
                   </p:par>
                   <p:par>
-                    <p:cTn id="23" fill="hold">
+                    <p:cTn id="28" fill="hold">
                       <p:stCondLst>
                         <p:cond delay="indefinite"/>
                       </p:stCondLst>
                       <p:childTnLst>
                         <p:par>
-                          <p:cTn id="24" fill="hold">
+                          <p:cTn id="29" fill="hold">
                             <p:stCondLst>
                               <p:cond delay="0"/>
                             </p:stCondLst>
                             <p:childTnLst>
                               <p:par>
-                                <p:cTn id="25" presetID="10" presetClass="entr" presetSubtype="0" fill="hold" nodeType="clickEffect">
+                                <p:cTn id="30" presetID="10" presetClass="entr" presetSubtype="0" fill="hold" nodeType="clickEffect">
                                   <p:stCondLst>
                                     <p:cond delay="0"/>
                                   </p:stCondLst>
                                   <p:childTnLst>
                                     <p:set>
                                       <p:cBhvr>
-                                        <p:cTn id="26" dur="1" fill="hold">
+                                        <p:cTn id="31" dur="1" fill="hold">
                                           <p:stCondLst>
                                             <p:cond delay="0"/>
                                           </p:stCondLst>
@@ -8807,7 +8475,7 @@
                                         <p:tgtEl>
                                           <p:spTgt spid="6">
                                             <p:txEl>
-                                              <p:pRg st="8" end="8"/>
+                                              <p:pRg st="9" end="9"/>
                                             </p:txEl>
                                           </p:spTgt>
                                         </p:tgtEl>
@@ -8821,11 +8489,11 @@
                                     </p:set>
                                     <p:animEffect transition="in" filter="fade">
                                       <p:cBhvr>
-                                        <p:cTn id="27" dur="500"/>
+                                        <p:cTn id="32" dur="500"/>
                                         <p:tgtEl>
                                           <p:spTgt spid="6">
                                             <p:txEl>
-                                              <p:pRg st="8" end="8"/>
+                                              <p:pRg st="9" end="9"/>
                                             </p:txEl>
                                           </p:spTgt>
                                         </p:tgtEl>
@@ -8835,14 +8503,14 @@
                                 </p:cTn>
                               </p:par>
                               <p:par>
-                                <p:cTn id="28" presetID="10" presetClass="entr" presetSubtype="0" fill="hold" nodeType="withEffect">
+                                <p:cTn id="33" presetID="10" presetClass="entr" presetSubtype="0" fill="hold" nodeType="withEffect">
                                   <p:stCondLst>
                                     <p:cond delay="0"/>
                                   </p:stCondLst>
                                   <p:childTnLst>
                                     <p:set>
                                       <p:cBhvr>
-                                        <p:cTn id="29" dur="1" fill="hold">
+                                        <p:cTn id="34" dur="1" fill="hold">
                                           <p:stCondLst>
                                             <p:cond delay="0"/>
                                           </p:stCondLst>
@@ -8850,7 +8518,7 @@
                                         <p:tgtEl>
                                           <p:spTgt spid="6">
                                             <p:txEl>
-                                              <p:pRg st="9" end="9"/>
+                                              <p:pRg st="10" end="10"/>
                                             </p:txEl>
                                           </p:spTgt>
                                         </p:tgtEl>
@@ -8864,11 +8532,11 @@
                                     </p:set>
                                     <p:animEffect transition="in" filter="fade">
                                       <p:cBhvr>
-                                        <p:cTn id="30" dur="500"/>
+                                        <p:cTn id="35" dur="500"/>
                                         <p:tgtEl>
                                           <p:spTgt spid="6">
                                             <p:txEl>
-                                              <p:pRg st="9" end="9"/>
+                                              <p:pRg st="10" end="10"/>
                                             </p:txEl>
                                           </p:spTgt>
                                         </p:tgtEl>
@@ -8878,14 +8546,14 @@
                                 </p:cTn>
                               </p:par>
                               <p:par>
-                                <p:cTn id="31" presetID="10" presetClass="entr" presetSubtype="0" fill="hold" nodeType="withEffect">
+                                <p:cTn id="36" presetID="10" presetClass="entr" presetSubtype="0" fill="hold" nodeType="withEffect">
                                   <p:stCondLst>
                                     <p:cond delay="0"/>
                                   </p:stCondLst>
                                   <p:childTnLst>
                                     <p:set>
                                       <p:cBhvr>
-                                        <p:cTn id="32" dur="1" fill="hold">
+                                        <p:cTn id="37" dur="1" fill="hold">
                                           <p:stCondLst>
                                             <p:cond delay="0"/>
                                           </p:stCondLst>
@@ -8893,7 +8561,7 @@
                                         <p:tgtEl>
                                           <p:spTgt spid="6">
                                             <p:txEl>
-                                              <p:pRg st="10" end="10"/>
+                                              <p:pRg st="11" end="11"/>
                                             </p:txEl>
                                           </p:spTgt>
                                         </p:tgtEl>
@@ -8907,11 +8575,11 @@
                                     </p:set>
                                     <p:animEffect transition="in" filter="fade">
                                       <p:cBhvr>
-                                        <p:cTn id="33" dur="500"/>
+                                        <p:cTn id="38" dur="500"/>
                                         <p:tgtEl>
                                           <p:spTgt spid="6">
                                             <p:txEl>
-                                              <p:pRg st="10" end="10"/>
+                                              <p:pRg st="11" end="11"/>
                                             </p:txEl>
                                           </p:spTgt>
                                         </p:tgtEl>
@@ -8921,14 +8589,14 @@
                                 </p:cTn>
                               </p:par>
                               <p:par>
-                                <p:cTn id="34" presetID="10" presetClass="entr" presetSubtype="0" fill="hold" nodeType="withEffect">
+                                <p:cTn id="39" presetID="10" presetClass="entr" presetSubtype="0" fill="hold" nodeType="withEffect">
                                   <p:stCondLst>
                                     <p:cond delay="0"/>
                                   </p:stCondLst>
                                   <p:childTnLst>
                                     <p:set>
                                       <p:cBhvr>
-                                        <p:cTn id="35" dur="1" fill="hold">
+                                        <p:cTn id="40" dur="1" fill="hold">
                                           <p:stCondLst>
                                             <p:cond delay="0"/>
                                           </p:stCondLst>
@@ -8936,7 +8604,7 @@
                                         <p:tgtEl>
                                           <p:spTgt spid="6">
                                             <p:txEl>
-                                              <p:pRg st="11" end="11"/>
+                                              <p:pRg st="12" end="12"/>
                                             </p:txEl>
                                           </p:spTgt>
                                         </p:tgtEl>
@@ -8950,11 +8618,11 @@
                                     </p:set>
                                     <p:animEffect transition="in" filter="fade">
                                       <p:cBhvr>
-                                        <p:cTn id="36" dur="500"/>
+                                        <p:cTn id="41" dur="500"/>
                                         <p:tgtEl>
                                           <p:spTgt spid="6">
                                             <p:txEl>
-                                              <p:pRg st="11" end="11"/>
+                                              <p:pRg st="12" end="12"/>
                                             </p:txEl>
                                           </p:spTgt>
                                         </p:tgtEl>
@@ -8964,14 +8632,14 @@
                                 </p:cTn>
                               </p:par>
                               <p:par>
-                                <p:cTn id="37" presetID="10" presetClass="entr" presetSubtype="0" fill="hold" nodeType="withEffect">
+                                <p:cTn id="42" presetID="10" presetClass="entr" presetSubtype="0" fill="hold" nodeType="withEffect">
                                   <p:stCondLst>
                                     <p:cond delay="0"/>
                                   </p:stCondLst>
                                   <p:childTnLst>
                                     <p:set>
                                       <p:cBhvr>
-                                        <p:cTn id="38" dur="1" fill="hold">
+                                        <p:cTn id="43" dur="1" fill="hold">
                                           <p:stCondLst>
                                             <p:cond delay="0"/>
                                           </p:stCondLst>
@@ -8979,7 +8647,7 @@
                                         <p:tgtEl>
                                           <p:spTgt spid="6">
                                             <p:txEl>
-                                              <p:pRg st="12" end="12"/>
+                                              <p:pRg st="13" end="13"/>
                                             </p:txEl>
                                           </p:spTgt>
                                         </p:tgtEl>
@@ -8993,11 +8661,11 @@
                                     </p:set>
                                     <p:animEffect transition="in" filter="fade">
                                       <p:cBhvr>
-                                        <p:cTn id="39" dur="500"/>
+                                        <p:cTn id="44" dur="500"/>
                                         <p:tgtEl>
                                           <p:spTgt spid="6">
                                             <p:txEl>
-                                              <p:pRg st="12" end="12"/>
+                                              <p:pRg st="13" end="13"/>
                                             </p:txEl>
                                           </p:spTgt>
                                         </p:tgtEl>
@@ -9056,13 +8724,7 @@
       </p:grpSpPr>
       <p:sp>
         <p:nvSpPr>
-          <p:cNvPr id="4" name="TextBox 3">
-            <a:extLst>
-              <a:ext uri="{FF2B5EF4-FFF2-40B4-BE49-F238E27FC236}">
-                <a16:creationId xmlns:a16="http://schemas.microsoft.com/office/drawing/2014/main" id="{5BF18F4F-13A6-4258-82D4-CFB2F1D8206B}"/>
-              </a:ext>
-            </a:extLst>
-          </p:cNvPr>
+          <p:cNvPr id="4" name="TextBox 3"/>
           <p:cNvSpPr txBox="1"/>
           <p:nvPr/>
         </p:nvSpPr>
@@ -9094,8 +8756,6 @@
               </a:rPr>
               <a:t> Data Visualization</a:t>
             </a:r>
-          </a:p>
-          <a:p>
             <a:endParaRPr lang="en-US" sz="3200" dirty="0">
               <a:solidFill>
                 <a:schemeClr val="bg2">
@@ -9173,6 +8833,17 @@
             </a:endParaRPr>
           </a:p>
           <a:p>
+            <a:endParaRPr lang="en-US" sz="3200" dirty="0">
+              <a:solidFill>
+                <a:schemeClr val="bg2">
+                  <a:lumMod val="25000"/>
+                </a:schemeClr>
+              </a:solidFill>
+              <a:latin typeface="Segoe UI Black" panose="020B0A02040204020203" pitchFamily="34" charset="0"/>
+              <a:ea typeface="Segoe UI Black" panose="020B0A02040204020203" pitchFamily="34" charset="0"/>
+            </a:endParaRPr>
+          </a:p>
+          <a:p>
             <a:r>
               <a:rPr lang="en-US" sz="3200" dirty="0">
                 <a:solidFill>
@@ -9185,6 +8856,15 @@
               </a:rPr>
               <a:t>  Correlation</a:t>
             </a:r>
+            <a:endParaRPr lang="en-US" sz="3200" dirty="0">
+              <a:solidFill>
+                <a:schemeClr val="bg2">
+                  <a:lumMod val="25000"/>
+                </a:schemeClr>
+              </a:solidFill>
+              <a:latin typeface="Segoe UI Black" panose="020B0A02040204020203" pitchFamily="34" charset="0"/>
+              <a:ea typeface="Segoe UI Black" panose="020B0A02040204020203" pitchFamily="34" charset="0"/>
+            </a:endParaRPr>
           </a:p>
           <a:p>
             <a:r>
@@ -9199,18 +8879,21 @@
               </a:rPr>
               <a:t>     </a:t>
             </a:r>
+            <a:endParaRPr lang="en-US" sz="3200" dirty="0">
+              <a:solidFill>
+                <a:schemeClr val="bg2">
+                  <a:lumMod val="25000"/>
+                </a:schemeClr>
+              </a:solidFill>
+              <a:latin typeface="Segoe UI Black" panose="020B0A02040204020203" pitchFamily="34" charset="0"/>
+              <a:ea typeface="Segoe UI Black" panose="020B0A02040204020203" pitchFamily="34" charset="0"/>
+            </a:endParaRPr>
           </a:p>
         </p:txBody>
       </p:sp>
       <p:sp>
         <p:nvSpPr>
-          <p:cNvPr id="5" name="Rectangle 4">
-            <a:extLst>
-              <a:ext uri="{FF2B5EF4-FFF2-40B4-BE49-F238E27FC236}">
-                <a16:creationId xmlns:a16="http://schemas.microsoft.com/office/drawing/2014/main" id="{404BC79C-CA01-4F70-9429-35F6688A2792}"/>
-              </a:ext>
-            </a:extLst>
-          </p:cNvPr>
+          <p:cNvPr id="5" name="Rectangle 4"/>
           <p:cNvSpPr/>
           <p:nvPr/>
         </p:nvSpPr>
@@ -9218,6 +8901,59 @@
           <a:xfrm>
             <a:off x="1047566" y="816171"/>
             <a:ext cx="4287914" cy="3240924"/>
+          </a:xfrm>
+          <a:prstGeom prst="rect">
+            <a:avLst/>
+          </a:prstGeom>
+          <a:blipFill dpi="0" rotWithShape="1">
+            <a:blip r:embed="rId1">
+              <a:extLst>
+                <a:ext uri="{28A0092B-C50C-407E-A947-70E740481C1C}">
+                  <a14:useLocalDpi xmlns:a14="http://schemas.microsoft.com/office/drawing/2010/main" val="0"/>
+                </a:ext>
+              </a:extLst>
+            </a:blip>
+            <a:srcRect/>
+            <a:stretch>
+              <a:fillRect/>
+            </a:stretch>
+          </a:blipFill>
+        </p:spPr>
+        <p:style>
+          <a:lnRef idx="2">
+            <a:schemeClr val="accent1">
+              <a:shade val="50000"/>
+            </a:schemeClr>
+          </a:lnRef>
+          <a:fillRef idx="1">
+            <a:schemeClr val="accent1"/>
+          </a:fillRef>
+          <a:effectRef idx="0">
+            <a:schemeClr val="accent1"/>
+          </a:effectRef>
+          <a:fontRef idx="minor">
+            <a:schemeClr val="lt1"/>
+          </a:fontRef>
+        </p:style>
+        <p:txBody>
+          <a:bodyPr rtlCol="0" anchor="ctr"/>
+          <a:lstStyle/>
+          <a:p>
+            <a:pPr algn="ctr"/>
+            <a:endParaRPr lang="en-US"/>
+          </a:p>
+        </p:txBody>
+      </p:sp>
+      <p:sp>
+        <p:nvSpPr>
+          <p:cNvPr id="6" name="Rectangle 5"/>
+          <p:cNvSpPr/>
+          <p:nvPr/>
+        </p:nvSpPr>
+        <p:spPr>
+          <a:xfrm>
+            <a:off x="6613864" y="816170"/>
+            <a:ext cx="4927106" cy="3240924"/>
           </a:xfrm>
           <a:prstGeom prst="rect">
             <a:avLst/>
@@ -9257,26 +8993,20 @@
           <a:lstStyle/>
           <a:p>
             <a:pPr algn="ctr"/>
-            <a:endParaRPr lang="en-PK"/>
+            <a:endParaRPr lang="en-US" dirty="0"/>
           </a:p>
         </p:txBody>
       </p:sp>
       <p:sp>
         <p:nvSpPr>
-          <p:cNvPr id="6" name="Rectangle 5">
-            <a:extLst>
-              <a:ext uri="{FF2B5EF4-FFF2-40B4-BE49-F238E27FC236}">
-                <a16:creationId xmlns:a16="http://schemas.microsoft.com/office/drawing/2014/main" id="{6610F4A9-EB5E-468A-BC49-BC803CBD50AF}"/>
-              </a:ext>
-            </a:extLst>
-          </p:cNvPr>
+          <p:cNvPr id="7" name="Rectangle 6"/>
           <p:cNvSpPr/>
           <p:nvPr/>
         </p:nvSpPr>
         <p:spPr>
           <a:xfrm>
-            <a:off x="6613864" y="816170"/>
-            <a:ext cx="4927106" cy="3240924"/>
+            <a:off x="2423604" y="4731223"/>
+            <a:ext cx="7359589" cy="1927030"/>
           </a:xfrm>
           <a:prstGeom prst="rect">
             <a:avLst/>
@@ -9316,75 +9046,11 @@
           <a:lstStyle/>
           <a:p>
             <a:pPr algn="ctr"/>
-            <a:endParaRPr lang="en-PK" dirty="0"/>
-          </a:p>
-        </p:txBody>
-      </p:sp>
-      <p:sp>
-        <p:nvSpPr>
-          <p:cNvPr id="7" name="Rectangle 6">
-            <a:extLst>
-              <a:ext uri="{FF2B5EF4-FFF2-40B4-BE49-F238E27FC236}">
-                <a16:creationId xmlns:a16="http://schemas.microsoft.com/office/drawing/2014/main" id="{64A603EF-0266-4813-B5BE-DED1D12F655F}"/>
-              </a:ext>
-            </a:extLst>
-          </p:cNvPr>
-          <p:cNvSpPr/>
-          <p:nvPr/>
-        </p:nvSpPr>
-        <p:spPr>
-          <a:xfrm>
-            <a:off x="2423604" y="4731223"/>
-            <a:ext cx="7359589" cy="1927030"/>
-          </a:xfrm>
-          <a:prstGeom prst="rect">
-            <a:avLst/>
-          </a:prstGeom>
-          <a:blipFill dpi="0" rotWithShape="1">
-            <a:blip r:embed="rId4">
-              <a:extLst>
-                <a:ext uri="{28A0092B-C50C-407E-A947-70E740481C1C}">
-                  <a14:useLocalDpi xmlns:a14="http://schemas.microsoft.com/office/drawing/2010/main" val="0"/>
-                </a:ext>
-              </a:extLst>
-            </a:blip>
-            <a:srcRect/>
-            <a:stretch>
-              <a:fillRect/>
-            </a:stretch>
-          </a:blipFill>
-        </p:spPr>
-        <p:style>
-          <a:lnRef idx="2">
-            <a:schemeClr val="accent1">
-              <a:shade val="50000"/>
-            </a:schemeClr>
-          </a:lnRef>
-          <a:fillRef idx="1">
-            <a:schemeClr val="accent1"/>
-          </a:fillRef>
-          <a:effectRef idx="0">
-            <a:schemeClr val="accent1"/>
-          </a:effectRef>
-          <a:fontRef idx="minor">
-            <a:schemeClr val="lt1"/>
-          </a:fontRef>
-        </p:style>
-        <p:txBody>
-          <a:bodyPr rtlCol="0" anchor="ctr"/>
-          <a:lstStyle/>
-          <a:p>
-            <a:pPr algn="ctr"/>
-            <a:endParaRPr lang="en-PK" dirty="0"/>
+            <a:endParaRPr lang="en-US" dirty="0"/>
           </a:p>
         </p:txBody>
       </p:sp>
     </p:spTree>
-    <p:extLst>
-      <p:ext uri="{BB962C8B-B14F-4D97-AF65-F5344CB8AC3E}">
-        <p14:creationId xmlns:p14="http://schemas.microsoft.com/office/powerpoint/2010/main" val="40791780"/>
-      </p:ext>
-    </p:extLst>
   </p:cSld>
   <p:clrMapOvr>
     <a:masterClrMapping/>
@@ -9614,7 +9280,7 @@
     </a:clrScheme>
     <a:fontScheme name="Office">
       <a:majorFont>
-        <a:latin typeface="Calibri Light" panose="020F0302020204030204"/>
+        <a:latin typeface="Calibri Light"/>
         <a:ea typeface=""/>
         <a:cs typeface=""/>
         <a:font script="Jpan" typeface="游ゴシック Light"/>
@@ -9647,26 +9313,9 @@
         <a:font script="Viet" typeface="Times New Roman"/>
         <a:font script="Uigh" typeface="Microsoft Uighur"/>
         <a:font script="Geor" typeface="Sylfaen"/>
-        <a:font script="Armn" typeface="Arial"/>
-        <a:font script="Bugi" typeface="Leelawadee UI"/>
-        <a:font script="Bopo" typeface="Microsoft JhengHei"/>
-        <a:font script="Java" typeface="Javanese Text"/>
-        <a:font script="Lisu" typeface="Segoe UI"/>
-        <a:font script="Mymr" typeface="Myanmar Text"/>
-        <a:font script="Nkoo" typeface="Ebrima"/>
-        <a:font script="Olck" typeface="Nirmala UI"/>
-        <a:font script="Osma" typeface="Ebrima"/>
-        <a:font script="Phag" typeface="Phagspa"/>
-        <a:font script="Syrn" typeface="Estrangelo Edessa"/>
-        <a:font script="Syrj" typeface="Estrangelo Edessa"/>
-        <a:font script="Syre" typeface="Estrangelo Edessa"/>
-        <a:font script="Sora" typeface="Nirmala UI"/>
-        <a:font script="Tale" typeface="Microsoft Tai Le"/>
-        <a:font script="Talu" typeface="Microsoft New Tai Lue"/>
-        <a:font script="Tfng" typeface="Ebrima"/>
       </a:majorFont>
       <a:minorFont>
-        <a:latin typeface="Calibri" panose="020F0502020204030204"/>
+        <a:latin typeface="Calibri"/>
         <a:ea typeface=""/>
         <a:cs typeface=""/>
         <a:font script="Jpan" typeface="游ゴシック"/>
@@ -9699,23 +9348,6 @@
         <a:font script="Viet" typeface="Arial"/>
         <a:font script="Uigh" typeface="Microsoft Uighur"/>
         <a:font script="Geor" typeface="Sylfaen"/>
-        <a:font script="Armn" typeface="Arial"/>
-        <a:font script="Bugi" typeface="Leelawadee UI"/>
-        <a:font script="Bopo" typeface="Microsoft JhengHei"/>
-        <a:font script="Java" typeface="Javanese Text"/>
-        <a:font script="Lisu" typeface="Segoe UI"/>
-        <a:font script="Mymr" typeface="Myanmar Text"/>
-        <a:font script="Nkoo" typeface="Ebrima"/>
-        <a:font script="Olck" typeface="Nirmala UI"/>
-        <a:font script="Osma" typeface="Ebrima"/>
-        <a:font script="Phag" typeface="Phagspa"/>
-        <a:font script="Syrn" typeface="Estrangelo Edessa"/>
-        <a:font script="Syrj" typeface="Estrangelo Edessa"/>
-        <a:font script="Syre" typeface="Estrangelo Edessa"/>
-        <a:font script="Sora" typeface="Nirmala UI"/>
-        <a:font script="Tale" typeface="Microsoft Tai Le"/>
-        <a:font script="Talu" typeface="Microsoft New Tai Lue"/>
-        <a:font script="Tfng" typeface="Ebrima"/>
       </a:minorFont>
     </a:fontScheme>
     <a:fmtScheme name="Office">
@@ -9856,8 +9488,6 @@
       </a:bgFillStyleLst>
     </a:fmtScheme>
   </a:themeElements>
-  <a:objectDefaults/>
-  <a:extraClrSchemeLst/>
   <a:extLst>
     <a:ext uri="{05A4C25C-085E-4340-85A3-A5531E510DB2}">
       <thm15:themeFamily xmlns:thm15="http://schemas.microsoft.com/office/thememl/2012/main" name="Office Theme" id="{62F939B6-93AF-4DB8-9C6B-D6C7DFDC589F}" vid="{4A3C46E8-61CC-4603-A589-7422A47A8E4A}"/>
@@ -9909,7 +9539,7 @@
     </a:clrScheme>
     <a:fontScheme name="Office">
       <a:majorFont>
-        <a:latin typeface="Calibri Light" panose="020F0302020204030204"/>
+        <a:latin typeface="Calibri Light"/>
         <a:ea typeface=""/>
         <a:cs typeface=""/>
         <a:font script="Jpan" typeface="游ゴシック Light"/>
@@ -9942,26 +9572,9 @@
         <a:font script="Viet" typeface="Times New Roman"/>
         <a:font script="Uigh" typeface="Microsoft Uighur"/>
         <a:font script="Geor" typeface="Sylfaen"/>
-        <a:font script="Armn" typeface="Arial"/>
-        <a:font script="Bugi" typeface="Leelawadee UI"/>
-        <a:font script="Bopo" typeface="Microsoft JhengHei"/>
-        <a:font script="Java" typeface="Javanese Text"/>
-        <a:font script="Lisu" typeface="Segoe UI"/>
-        <a:font script="Mymr" typeface="Myanmar Text"/>
-        <a:font script="Nkoo" typeface="Ebrima"/>
-        <a:font script="Olck" typeface="Nirmala UI"/>
-        <a:font script="Osma" typeface="Ebrima"/>
-        <a:font script="Phag" typeface="Phagspa"/>
-        <a:font script="Syrn" typeface="Estrangelo Edessa"/>
-        <a:font script="Syrj" typeface="Estrangelo Edessa"/>
-        <a:font script="Syre" typeface="Estrangelo Edessa"/>
-        <a:font script="Sora" typeface="Nirmala UI"/>
-        <a:font script="Tale" typeface="Microsoft Tai Le"/>
-        <a:font script="Talu" typeface="Microsoft New Tai Lue"/>
-        <a:font script="Tfng" typeface="Ebrima"/>
       </a:majorFont>
       <a:minorFont>
-        <a:latin typeface="Calibri" panose="020F0502020204030204"/>
+        <a:latin typeface="Calibri"/>
         <a:ea typeface=""/>
         <a:cs typeface=""/>
         <a:font script="Jpan" typeface="游ゴシック"/>
@@ -9994,23 +9607,6 @@
         <a:font script="Viet" typeface="Arial"/>
         <a:font script="Uigh" typeface="Microsoft Uighur"/>
         <a:font script="Geor" typeface="Sylfaen"/>
-        <a:font script="Armn" typeface="Arial"/>
-        <a:font script="Bugi" typeface="Leelawadee UI"/>
-        <a:font script="Bopo" typeface="Microsoft JhengHei"/>
-        <a:font script="Java" typeface="Javanese Text"/>
-        <a:font script="Lisu" typeface="Segoe UI"/>
-        <a:font script="Mymr" typeface="Myanmar Text"/>
-        <a:font script="Nkoo" typeface="Ebrima"/>
-        <a:font script="Olck" typeface="Nirmala UI"/>
-        <a:font script="Osma" typeface="Ebrima"/>
-        <a:font script="Phag" typeface="Phagspa"/>
-        <a:font script="Syrn" typeface="Estrangelo Edessa"/>
-        <a:font script="Syrj" typeface="Estrangelo Edessa"/>
-        <a:font script="Syre" typeface="Estrangelo Edessa"/>
-        <a:font script="Sora" typeface="Nirmala UI"/>
-        <a:font script="Tale" typeface="Microsoft Tai Le"/>
-        <a:font script="Talu" typeface="Microsoft New Tai Lue"/>
-        <a:font script="Tfng" typeface="Ebrima"/>
       </a:minorFont>
     </a:fontScheme>
     <a:fmtScheme name="Office">
@@ -10151,8 +9747,6 @@
       </a:bgFillStyleLst>
     </a:fmtScheme>
   </a:themeElements>
-  <a:objectDefaults/>
-  <a:extraClrSchemeLst/>
   <a:extLst>
     <a:ext uri="{05A4C25C-085E-4340-85A3-A5531E510DB2}">
       <thm15:themeFamily xmlns:thm15="http://schemas.microsoft.com/office/thememl/2012/main" name="Office Theme" id="{62F939B6-93AF-4DB8-9C6B-D6C7DFDC589F}" vid="{4A3C46E8-61CC-4603-A589-7422A47A8E4A}"/>
